--- a/週報/Pixhawkの知識深堀集.pptx
+++ b/週報/Pixhawkの知識深堀集.pptx
@@ -5,7 +5,7 @@
     <p:sldMasterId id="2147483648" r:id="rId1"/>
   </p:sldMasterIdLst>
   <p:notesMasterIdLst>
-    <p:notesMasterId r:id="rId14"/>
+    <p:notesMasterId r:id="rId16"/>
   </p:notesMasterIdLst>
   <p:sldIdLst>
     <p:sldId id="256" r:id="rId2"/>
@@ -13,13 +13,15 @@
     <p:sldId id="257" r:id="rId4"/>
     <p:sldId id="272" r:id="rId5"/>
     <p:sldId id="264" r:id="rId6"/>
-    <p:sldId id="266" r:id="rId7"/>
-    <p:sldId id="265" r:id="rId8"/>
-    <p:sldId id="267" r:id="rId9"/>
-    <p:sldId id="268" r:id="rId10"/>
-    <p:sldId id="269" r:id="rId11"/>
-    <p:sldId id="258" r:id="rId12"/>
-    <p:sldId id="271" r:id="rId13"/>
+    <p:sldId id="273" r:id="rId7"/>
+    <p:sldId id="266" r:id="rId8"/>
+    <p:sldId id="265" r:id="rId9"/>
+    <p:sldId id="267" r:id="rId10"/>
+    <p:sldId id="268" r:id="rId11"/>
+    <p:sldId id="269" r:id="rId12"/>
+    <p:sldId id="258" r:id="rId13"/>
+    <p:sldId id="274" r:id="rId14"/>
+    <p:sldId id="271" r:id="rId15"/>
   </p:sldIdLst>
   <p:sldSz cx="12192000" cy="6858000"/>
   <p:notesSz cx="6858000" cy="9144000"/>
@@ -208,7 +210,7 @@
           <a:p>
             <a:fld id="{B92CDC05-EAD6-4F5E-971E-5D70DC43253F}" type="datetimeFigureOut">
               <a:rPr kumimoji="1" lang="ja-JP" altLang="en-US" smtClean="0"/>
-              <a:t>2021/12/14</a:t>
+              <a:t>2021/12/25</a:t>
             </a:fld>
             <a:endParaRPr kumimoji="1" lang="ja-JP" altLang="en-US"/>
           </a:p>
@@ -806,7 +808,7 @@
           <a:p>
             <a:fld id="{20312BD5-1703-4DAF-B659-A30F19A97235}" type="slidenum">
               <a:rPr kumimoji="1" lang="ja-JP" altLang="en-US" smtClean="0"/>
-              <a:t>6</a:t>
+              <a:t>7</a:t>
             </a:fld>
             <a:endParaRPr kumimoji="1" lang="ja-JP" altLang="en-US"/>
           </a:p>
@@ -972,7 +974,7 @@
           <a:p>
             <a:fld id="{C7FC6D56-6D02-4AF5-A9B3-91F4678BB275}" type="datetimeFigureOut">
               <a:rPr kumimoji="1" lang="ja-JP" altLang="en-US" smtClean="0"/>
-              <a:t>2021/12/14</a:t>
+              <a:t>2021/12/25</a:t>
             </a:fld>
             <a:endParaRPr kumimoji="1" lang="ja-JP" altLang="en-US"/>
           </a:p>
@@ -1202,7 +1204,7 @@
           <a:p>
             <a:fld id="{C7FC6D56-6D02-4AF5-A9B3-91F4678BB275}" type="datetimeFigureOut">
               <a:rPr kumimoji="1" lang="ja-JP" altLang="en-US" smtClean="0"/>
-              <a:t>2021/12/14</a:t>
+              <a:t>2021/12/25</a:t>
             </a:fld>
             <a:endParaRPr kumimoji="1" lang="ja-JP" altLang="en-US"/>
           </a:p>
@@ -1442,7 +1444,7 @@
           <a:p>
             <a:fld id="{C7FC6D56-6D02-4AF5-A9B3-91F4678BB275}" type="datetimeFigureOut">
               <a:rPr kumimoji="1" lang="ja-JP" altLang="en-US" smtClean="0"/>
-              <a:t>2021/12/14</a:t>
+              <a:t>2021/12/25</a:t>
             </a:fld>
             <a:endParaRPr kumimoji="1" lang="ja-JP" altLang="en-US"/>
           </a:p>
@@ -1672,7 +1674,7 @@
           <a:p>
             <a:fld id="{C7FC6D56-6D02-4AF5-A9B3-91F4678BB275}" type="datetimeFigureOut">
               <a:rPr kumimoji="1" lang="ja-JP" altLang="en-US" smtClean="0"/>
-              <a:t>2021/12/14</a:t>
+              <a:t>2021/12/25</a:t>
             </a:fld>
             <a:endParaRPr kumimoji="1" lang="ja-JP" altLang="en-US"/>
           </a:p>
@@ -1947,7 +1949,7 @@
           <a:p>
             <a:fld id="{C7FC6D56-6D02-4AF5-A9B3-91F4678BB275}" type="datetimeFigureOut">
               <a:rPr kumimoji="1" lang="ja-JP" altLang="en-US" smtClean="0"/>
-              <a:t>2021/12/14</a:t>
+              <a:t>2021/12/25</a:t>
             </a:fld>
             <a:endParaRPr kumimoji="1" lang="ja-JP" altLang="en-US"/>
           </a:p>
@@ -2276,7 +2278,7 @@
           <a:p>
             <a:fld id="{C7FC6D56-6D02-4AF5-A9B3-91F4678BB275}" type="datetimeFigureOut">
               <a:rPr kumimoji="1" lang="ja-JP" altLang="en-US" smtClean="0"/>
-              <a:t>2021/12/14</a:t>
+              <a:t>2021/12/25</a:t>
             </a:fld>
             <a:endParaRPr kumimoji="1" lang="ja-JP" altLang="en-US"/>
           </a:p>
@@ -2752,7 +2754,7 @@
           <a:p>
             <a:fld id="{C7FC6D56-6D02-4AF5-A9B3-91F4678BB275}" type="datetimeFigureOut">
               <a:rPr kumimoji="1" lang="ja-JP" altLang="en-US" smtClean="0"/>
-              <a:t>2021/12/14</a:t>
+              <a:t>2021/12/25</a:t>
             </a:fld>
             <a:endParaRPr kumimoji="1" lang="ja-JP" altLang="en-US"/>
           </a:p>
@@ -2893,7 +2895,7 @@
           <a:p>
             <a:fld id="{C7FC6D56-6D02-4AF5-A9B3-91F4678BB275}" type="datetimeFigureOut">
               <a:rPr kumimoji="1" lang="ja-JP" altLang="en-US" smtClean="0"/>
-              <a:t>2021/12/14</a:t>
+              <a:t>2021/12/25</a:t>
             </a:fld>
             <a:endParaRPr kumimoji="1" lang="ja-JP" altLang="en-US"/>
           </a:p>
@@ -3006,7 +3008,7 @@
           <a:p>
             <a:fld id="{C7FC6D56-6D02-4AF5-A9B3-91F4678BB275}" type="datetimeFigureOut">
               <a:rPr kumimoji="1" lang="ja-JP" altLang="en-US" smtClean="0"/>
-              <a:t>2021/12/14</a:t>
+              <a:t>2021/12/25</a:t>
             </a:fld>
             <a:endParaRPr kumimoji="1" lang="ja-JP" altLang="en-US"/>
           </a:p>
@@ -3349,7 +3351,7 @@
           <a:p>
             <a:fld id="{C7FC6D56-6D02-4AF5-A9B3-91F4678BB275}" type="datetimeFigureOut">
               <a:rPr kumimoji="1" lang="ja-JP" altLang="en-US" smtClean="0"/>
-              <a:t>2021/12/14</a:t>
+              <a:t>2021/12/25</a:t>
             </a:fld>
             <a:endParaRPr kumimoji="1" lang="ja-JP" altLang="en-US"/>
           </a:p>
@@ -3637,7 +3639,7 @@
           <a:p>
             <a:fld id="{C7FC6D56-6D02-4AF5-A9B3-91F4678BB275}" type="datetimeFigureOut">
               <a:rPr kumimoji="1" lang="ja-JP" altLang="en-US" smtClean="0"/>
-              <a:t>2021/12/14</a:t>
+              <a:t>2021/12/25</a:t>
             </a:fld>
             <a:endParaRPr kumimoji="1" lang="ja-JP" altLang="en-US"/>
           </a:p>
@@ -3910,7 +3912,7 @@
           <a:p>
             <a:fld id="{C7FC6D56-6D02-4AF5-A9B3-91F4678BB275}" type="datetimeFigureOut">
               <a:rPr kumimoji="1" lang="ja-JP" altLang="en-US" smtClean="0"/>
-              <a:t>2021/12/14</a:t>
+              <a:t>2021/12/25</a:t>
             </a:fld>
             <a:endParaRPr kumimoji="1" lang="ja-JP" altLang="en-US"/>
           </a:p>
@@ -4426,6 +4428,309 @@
           <p:cNvPr id="2" name="タイトル 1">
             <a:extLst>
               <a:ext uri="{FF2B5EF4-FFF2-40B4-BE49-F238E27FC236}">
+                <a16:creationId xmlns:a16="http://schemas.microsoft.com/office/drawing/2014/main" id="{9570A541-7BC6-427F-8BFB-2A5929136355}"/>
+              </a:ext>
+            </a:extLst>
+          </p:cNvPr>
+          <p:cNvSpPr>
+            <a:spLocks noGrp="1"/>
+          </p:cNvSpPr>
+          <p:nvPr>
+            <p:ph type="title"/>
+          </p:nvPr>
+        </p:nvSpPr>
+        <p:spPr/>
+        <p:txBody>
+          <a:bodyPr/>
+          <a:lstStyle/>
+          <a:p>
+            <a:r>
+              <a:rPr lang="en-US" altLang="ja-JP" b="1" dirty="0"/>
+              <a:t>Pixhawk</a:t>
+            </a:r>
+            <a:r>
+              <a:rPr lang="ja-JP" altLang="en-US" b="1" dirty="0"/>
+              <a:t>自動制御システムの構成</a:t>
+            </a:r>
+            <a:endParaRPr kumimoji="1" lang="ja-JP" altLang="en-US" b="1" dirty="0"/>
+          </a:p>
+        </p:txBody>
+      </p:sp>
+      <p:sp>
+        <p:nvSpPr>
+          <p:cNvPr id="3" name="コンテンツ プレースホルダー 2">
+            <a:extLst>
+              <a:ext uri="{FF2B5EF4-FFF2-40B4-BE49-F238E27FC236}">
+                <a16:creationId xmlns:a16="http://schemas.microsoft.com/office/drawing/2014/main" id="{CA5B5C66-0A80-45CB-873C-4866D3A3DF60}"/>
+              </a:ext>
+            </a:extLst>
+          </p:cNvPr>
+          <p:cNvSpPr>
+            <a:spLocks noGrp="1"/>
+          </p:cNvSpPr>
+          <p:nvPr>
+            <p:ph idx="1"/>
+          </p:nvPr>
+        </p:nvSpPr>
+        <p:spPr/>
+        <p:txBody>
+          <a:bodyPr>
+            <a:normAutofit fontScale="62500" lnSpcReduction="20000"/>
+          </a:bodyPr>
+          <a:lstStyle/>
+          <a:p>
+            <a:r>
+              <a:rPr kumimoji="1" lang="en-US" altLang="ja-JP" dirty="0"/>
+              <a:t>UAV Toolbox</a:t>
+            </a:r>
+            <a:r>
+              <a:rPr kumimoji="1" lang="ja-JP" altLang="en-US" dirty="0"/>
+              <a:t>でのモデル作成後について</a:t>
+            </a:r>
+            <a:endParaRPr kumimoji="1" lang="en-US" altLang="ja-JP" dirty="0"/>
+          </a:p>
+          <a:p>
+            <a:pPr marL="0" indent="0">
+              <a:buNone/>
+            </a:pPr>
+            <a:r>
+              <a:rPr lang="ja-JP" altLang="en-US" dirty="0"/>
+              <a:t>　</a:t>
+            </a:r>
+            <a:r>
+              <a:rPr lang="en-US" altLang="ja-JP" dirty="0"/>
+              <a:t>model</a:t>
+            </a:r>
+            <a:r>
+              <a:rPr lang="ja-JP" altLang="en-US" dirty="0"/>
+              <a:t>をソースコード化</a:t>
+            </a:r>
+            <a:endParaRPr lang="en-US" altLang="ja-JP" dirty="0"/>
+          </a:p>
+          <a:p>
+            <a:pPr marL="0" indent="0">
+              <a:buNone/>
+            </a:pPr>
+            <a:r>
+              <a:rPr kumimoji="1" lang="ja-JP" altLang="en-US" dirty="0"/>
+              <a:t>　</a:t>
+            </a:r>
+            <a:r>
+              <a:rPr kumimoji="1" lang="en-US" altLang="ja-JP" dirty="0"/>
+              <a:t>PX4</a:t>
+            </a:r>
+            <a:r>
+              <a:rPr kumimoji="1" lang="ja-JP" altLang="en-US" dirty="0"/>
+              <a:t>ソフトウェア・システムに取り込む必要あり。</a:t>
+            </a:r>
+            <a:endParaRPr lang="en-US" altLang="ja-JP" dirty="0"/>
+          </a:p>
+          <a:p>
+            <a:pPr marL="0" indent="0">
+              <a:buNone/>
+            </a:pPr>
+            <a:r>
+              <a:rPr kumimoji="1" lang="ja-JP" altLang="en-US" dirty="0"/>
+              <a:t>　</a:t>
+            </a:r>
+            <a:r>
+              <a:rPr lang="ja-JP" altLang="en-US" dirty="0"/>
+              <a:t>その際に、デファクト</a:t>
+            </a:r>
+            <a:r>
+              <a:rPr lang="en-US" altLang="ja-JP" dirty="0"/>
+              <a:t>PX4</a:t>
+            </a:r>
+            <a:r>
+              <a:rPr lang="ja-JP" altLang="en-US" dirty="0"/>
+              <a:t>システムに動作に一切影響しない</a:t>
+            </a:r>
+            <a:endParaRPr lang="en-US" altLang="ja-JP" dirty="0"/>
+          </a:p>
+          <a:p>
+            <a:r>
+              <a:rPr kumimoji="1" lang="en-US" altLang="ja-JP" dirty="0"/>
+              <a:t>S</a:t>
+            </a:r>
+            <a:r>
+              <a:rPr lang="en-US" altLang="ja-JP" dirty="0"/>
+              <a:t>imulink</a:t>
+            </a:r>
+            <a:r>
+              <a:rPr lang="ja-JP" altLang="en-US" dirty="0"/>
+              <a:t>で作成した</a:t>
+            </a:r>
+            <a:r>
+              <a:rPr lang="en-US" altLang="ja-JP" dirty="0"/>
+              <a:t>model</a:t>
+            </a:r>
+            <a:r>
+              <a:rPr lang="ja-JP" altLang="en-US" dirty="0"/>
+              <a:t>を</a:t>
+            </a:r>
+            <a:r>
+              <a:rPr lang="en-US" altLang="ja-JP" dirty="0"/>
+              <a:t>PX4</a:t>
+            </a:r>
+            <a:r>
+              <a:rPr lang="ja-JP" altLang="en-US" dirty="0"/>
+              <a:t>ハードウェアにとり組む</a:t>
+            </a:r>
+            <a:endParaRPr lang="en-US" altLang="ja-JP" dirty="0"/>
+          </a:p>
+          <a:p>
+            <a:pPr marL="0" indent="0">
+              <a:buNone/>
+            </a:pPr>
+            <a:r>
+              <a:rPr kumimoji="1" lang="ja-JP" altLang="en-US" dirty="0"/>
+              <a:t>　</a:t>
+            </a:r>
+            <a:r>
+              <a:rPr kumimoji="1" lang="en-US" altLang="ja-JP" dirty="0"/>
+              <a:t>px4_Simulink_app module</a:t>
+            </a:r>
+            <a:r>
+              <a:rPr kumimoji="1" lang="ja-JP" altLang="en-US" dirty="0"/>
+              <a:t>が作成され、他の</a:t>
+            </a:r>
+            <a:r>
+              <a:rPr kumimoji="1" lang="en-US" altLang="ja-JP" dirty="0"/>
+              <a:t>module</a:t>
+            </a:r>
+            <a:r>
+              <a:rPr kumimoji="1" lang="ja-JP" altLang="en-US" dirty="0"/>
+              <a:t>とやり取りする。</a:t>
+            </a:r>
+            <a:endParaRPr kumimoji="1" lang="en-US" altLang="ja-JP" dirty="0"/>
+          </a:p>
+          <a:p>
+            <a:pPr marL="0" indent="0">
+              <a:buNone/>
+            </a:pPr>
+            <a:r>
+              <a:rPr lang="ja-JP" altLang="en-US" dirty="0"/>
+              <a:t>注意：</a:t>
+            </a:r>
+            <a:endParaRPr lang="en-US" altLang="ja-JP" dirty="0"/>
+          </a:p>
+          <a:p>
+            <a:pPr marL="0" indent="0">
+              <a:buNone/>
+            </a:pPr>
+            <a:r>
+              <a:rPr kumimoji="1" lang="ja-JP" altLang="en-US" dirty="0"/>
+              <a:t>　</a:t>
+            </a:r>
+            <a:r>
+              <a:rPr kumimoji="1" lang="en-US" altLang="ja-JP" dirty="0"/>
+              <a:t>PX4 </a:t>
+            </a:r>
+            <a:r>
+              <a:rPr kumimoji="1" lang="ja-JP" altLang="en-US" dirty="0"/>
+              <a:t>ソフトウェアの初期設定</a:t>
+            </a:r>
+            <a:r>
+              <a:rPr kumimoji="1" lang="en-US" altLang="ja-JP" dirty="0"/>
+              <a:t>module</a:t>
+            </a:r>
+            <a:r>
+              <a:rPr kumimoji="1" lang="ja-JP" altLang="en-US" dirty="0"/>
+              <a:t>は、</a:t>
+            </a:r>
+            <a:r>
+              <a:rPr kumimoji="1" lang="en-US" altLang="ja-JP" dirty="0"/>
+              <a:t> px4_Simulink_app module</a:t>
+            </a:r>
+            <a:r>
+              <a:rPr kumimoji="1" lang="ja-JP" altLang="en-US" dirty="0"/>
+              <a:t>と同じハードウェア出力を評価する。</a:t>
+            </a:r>
+            <a:endParaRPr kumimoji="1" lang="en-US" altLang="ja-JP" dirty="0"/>
+          </a:p>
+          <a:p>
+            <a:pPr marL="0" indent="0">
+              <a:buNone/>
+            </a:pPr>
+            <a:r>
+              <a:rPr lang="ja-JP" altLang="en-US" dirty="0"/>
+              <a:t>　よって、読み書きのコンフリクトが発生する。</a:t>
+            </a:r>
+            <a:endParaRPr lang="en-US" altLang="ja-JP" dirty="0"/>
+          </a:p>
+          <a:p>
+            <a:pPr marL="0" indent="0">
+              <a:buNone/>
+            </a:pPr>
+            <a:r>
+              <a:rPr lang="ja-JP" altLang="en-US" dirty="0"/>
+              <a:t>そのため、ワンキーインストールスクリプトでは、</a:t>
+            </a:r>
+            <a:r>
+              <a:rPr lang="en-US" altLang="ja-JP" dirty="0"/>
+              <a:t>PX4</a:t>
+            </a:r>
+            <a:r>
+              <a:rPr lang="ja-JP" altLang="en-US" dirty="0"/>
+              <a:t>のネイティブモジュールのハードウェア出力アクセスコードをブロックする必要があります。</a:t>
+            </a:r>
+            <a:endParaRPr lang="en-US" altLang="ja-JP" dirty="0"/>
+          </a:p>
+          <a:p>
+            <a:pPr marL="0" indent="0">
+              <a:buNone/>
+            </a:pPr>
+            <a:r>
+              <a:rPr lang="ja-JP" altLang="en-US" dirty="0"/>
+              <a:t>これにより、</a:t>
+            </a:r>
+            <a:r>
+              <a:rPr lang="en-US" altLang="ja-JP" dirty="0"/>
+              <a:t>"px4_simulink_app "</a:t>
+            </a:r>
+            <a:r>
+              <a:rPr lang="ja-JP" altLang="en-US" dirty="0"/>
+              <a:t>モジュールのみがモーター制御信号を送信できるようになります。</a:t>
+            </a:r>
+            <a:endParaRPr lang="en-US" altLang="ja-JP" dirty="0"/>
+          </a:p>
+        </p:txBody>
+      </p:sp>
+    </p:spTree>
+    <p:extLst>
+      <p:ext uri="{BB962C8B-B14F-4D97-AF65-F5344CB8AC3E}">
+        <p14:creationId xmlns:p14="http://schemas.microsoft.com/office/powerpoint/2010/main" val="2766710884"/>
+      </p:ext>
+    </p:extLst>
+  </p:cSld>
+  <p:clrMapOvr>
+    <a:masterClrMapping/>
+  </p:clrMapOvr>
+</p:sld>
+</file>
+
+<file path=ppt/slides/slide11.xml><?xml version="1.0" encoding="utf-8"?>
+<p:sld xmlns:a="http://schemas.openxmlformats.org/drawingml/2006/main" xmlns:r="http://schemas.openxmlformats.org/officeDocument/2006/relationships" xmlns:p="http://schemas.openxmlformats.org/presentationml/2006/main">
+  <p:cSld>
+    <p:spTree>
+      <p:nvGrpSpPr>
+        <p:cNvPr id="1" name=""/>
+        <p:cNvGrpSpPr/>
+        <p:nvPr/>
+      </p:nvGrpSpPr>
+      <p:grpSpPr>
+        <a:xfrm>
+          <a:off x="0" y="0"/>
+          <a:ext cx="0" cy="0"/>
+          <a:chOff x="0" y="0"/>
+          <a:chExt cx="0" cy="0"/>
+        </a:xfrm>
+      </p:grpSpPr>
+      <p:sp>
+        <p:nvSpPr>
+          <p:cNvPr id="2" name="タイトル 1">
+            <a:extLst>
+              <a:ext uri="{FF2B5EF4-FFF2-40B4-BE49-F238E27FC236}">
                 <a16:creationId xmlns:a16="http://schemas.microsoft.com/office/drawing/2014/main" id="{4B14B118-63C0-446E-BD5A-A7848CB96868}"/>
               </a:ext>
             </a:extLst>
@@ -4711,7 +5016,7 @@
 </p:sld>
 </file>
 
-<file path=ppt/slides/slide11.xml><?xml version="1.0" encoding="utf-8"?>
+<file path=ppt/slides/slide12.xml><?xml version="1.0" encoding="utf-8"?>
 <p:sld xmlns:a="http://schemas.openxmlformats.org/drawingml/2006/main" xmlns:r="http://schemas.openxmlformats.org/officeDocument/2006/relationships" xmlns:p="http://schemas.openxmlformats.org/presentationml/2006/main">
   <p:cSld>
     <p:spTree>
@@ -5040,7 +5345,251 @@
 </p:sld>
 </file>
 
-<file path=ppt/slides/slide12.xml><?xml version="1.0" encoding="utf-8"?>
+<file path=ppt/slides/slide13.xml><?xml version="1.0" encoding="utf-8"?>
+<p:sld xmlns:a="http://schemas.openxmlformats.org/drawingml/2006/main" xmlns:r="http://schemas.openxmlformats.org/officeDocument/2006/relationships" xmlns:p="http://schemas.openxmlformats.org/presentationml/2006/main">
+  <p:cSld>
+    <p:spTree>
+      <p:nvGrpSpPr>
+        <p:cNvPr id="1" name=""/>
+        <p:cNvGrpSpPr/>
+        <p:nvPr/>
+      </p:nvGrpSpPr>
+      <p:grpSpPr>
+        <a:xfrm>
+          <a:off x="0" y="0"/>
+          <a:ext cx="0" cy="0"/>
+          <a:chOff x="0" y="0"/>
+          <a:chExt cx="0" cy="0"/>
+        </a:xfrm>
+      </p:grpSpPr>
+      <p:sp>
+        <p:nvSpPr>
+          <p:cNvPr id="2" name="タイトル 1">
+            <a:extLst>
+              <a:ext uri="{FF2B5EF4-FFF2-40B4-BE49-F238E27FC236}">
+                <a16:creationId xmlns:a16="http://schemas.microsoft.com/office/drawing/2014/main" id="{F2660F45-7F3D-453D-886B-AE09E37BE254}"/>
+              </a:ext>
+            </a:extLst>
+          </p:cNvPr>
+          <p:cNvSpPr>
+            <a:spLocks noGrp="1"/>
+          </p:cNvSpPr>
+          <p:nvPr>
+            <p:ph type="title"/>
+          </p:nvPr>
+        </p:nvSpPr>
+        <p:spPr/>
+        <p:txBody>
+          <a:bodyPr/>
+          <a:lstStyle/>
+          <a:p>
+            <a:r>
+              <a:rPr kumimoji="1" lang="en-US" altLang="ja-JP" b="1" dirty="0"/>
+              <a:t>Simulink</a:t>
+            </a:r>
+            <a:r>
+              <a:rPr kumimoji="1" lang="ja-JP" altLang="en-US" b="1" dirty="0"/>
+              <a:t>の実行コマンドについて</a:t>
+            </a:r>
+          </a:p>
+        </p:txBody>
+      </p:sp>
+      <p:sp>
+        <p:nvSpPr>
+          <p:cNvPr id="3" name="コンテンツ プレースホルダー 2">
+            <a:extLst>
+              <a:ext uri="{FF2B5EF4-FFF2-40B4-BE49-F238E27FC236}">
+                <a16:creationId xmlns:a16="http://schemas.microsoft.com/office/drawing/2014/main" id="{626CEFF9-7F69-4060-A923-26D339BBF9B9}"/>
+              </a:ext>
+            </a:extLst>
+          </p:cNvPr>
+          <p:cNvSpPr>
+            <a:spLocks noGrp="1"/>
+          </p:cNvSpPr>
+          <p:nvPr>
+            <p:ph idx="1"/>
+          </p:nvPr>
+        </p:nvSpPr>
+        <p:spPr/>
+        <p:txBody>
+          <a:bodyPr/>
+          <a:lstStyle/>
+          <a:p>
+            <a:r>
+              <a:rPr kumimoji="1" lang="ja-JP" altLang="en-US" dirty="0"/>
+              <a:t>エクスターナルモード実行コマンド</a:t>
+            </a:r>
+            <a:endParaRPr kumimoji="1" lang="en-US" altLang="ja-JP" dirty="0"/>
+          </a:p>
+          <a:p>
+            <a:pPr marL="0" indent="0">
+              <a:buNone/>
+            </a:pPr>
+            <a:r>
+              <a:rPr lang="ja-JP" altLang="en-US" dirty="0"/>
+              <a:t>　</a:t>
+            </a:r>
+            <a:r>
+              <a:rPr lang="en-US" altLang="ja-JP" dirty="0"/>
+              <a:t>PC</a:t>
+            </a:r>
+            <a:r>
+              <a:rPr lang="ja-JP" altLang="en-US" dirty="0"/>
+              <a:t>と</a:t>
+            </a:r>
+            <a:r>
+              <a:rPr lang="en-US" altLang="ja-JP" dirty="0"/>
+              <a:t>Pixhawk</a:t>
+            </a:r>
+            <a:r>
+              <a:rPr lang="ja-JP" altLang="en-US" dirty="0"/>
+              <a:t>の送受信を行う。</a:t>
+            </a:r>
+            <a:endParaRPr lang="en-US" altLang="ja-JP" dirty="0"/>
+          </a:p>
+          <a:p>
+            <a:pPr marL="0" indent="0">
+              <a:buNone/>
+            </a:pPr>
+            <a:r>
+              <a:rPr kumimoji="1" lang="ja-JP" altLang="en-US" dirty="0"/>
+              <a:t>　実行中、</a:t>
+            </a:r>
+            <a:r>
+              <a:rPr kumimoji="1" lang="en-US" altLang="ja-JP" dirty="0"/>
+              <a:t>Simulink</a:t>
+            </a:r>
+            <a:r>
+              <a:rPr kumimoji="1" lang="ja-JP" altLang="en-US" dirty="0"/>
+              <a:t>の画面上でパラメータ変更可能。</a:t>
+            </a:r>
+            <a:endParaRPr kumimoji="1" lang="en-US" altLang="ja-JP" dirty="0"/>
+          </a:p>
+          <a:p>
+            <a:pPr marL="0" indent="0">
+              <a:buNone/>
+            </a:pPr>
+            <a:r>
+              <a:rPr lang="ja-JP" altLang="en-US" dirty="0"/>
+              <a:t>　接続が切れても実行され続ける。</a:t>
+            </a:r>
+            <a:endParaRPr kumimoji="1" lang="en-US" altLang="ja-JP" dirty="0"/>
+          </a:p>
+          <a:p>
+            <a:r>
+              <a:rPr lang="ja-JP" altLang="en-US" dirty="0"/>
+              <a:t>ハードウェア実行コマンド</a:t>
+            </a:r>
+            <a:endParaRPr lang="en-US" altLang="ja-JP" dirty="0"/>
+          </a:p>
+          <a:p>
+            <a:pPr marL="0" indent="0">
+              <a:buNone/>
+            </a:pPr>
+            <a:r>
+              <a:rPr lang="ja-JP" altLang="en-US" dirty="0"/>
+              <a:t>　</a:t>
+            </a:r>
+            <a:r>
+              <a:rPr lang="en-US" altLang="ja-JP" dirty="0"/>
+              <a:t>Pixhawk</a:t>
+            </a:r>
+            <a:r>
+              <a:rPr lang="ja-JP" altLang="en-US" dirty="0"/>
+              <a:t>内の</a:t>
+            </a:r>
+            <a:r>
+              <a:rPr lang="en-US" altLang="ja-JP" dirty="0"/>
+              <a:t>firmware</a:t>
+            </a:r>
+            <a:r>
+              <a:rPr lang="ja-JP" altLang="en-US" dirty="0"/>
+              <a:t>に従う。</a:t>
+            </a:r>
+            <a:endParaRPr lang="en-US" altLang="ja-JP" dirty="0"/>
+          </a:p>
+          <a:p>
+            <a:pPr marL="0" indent="0">
+              <a:buNone/>
+            </a:pPr>
+            <a:endParaRPr kumimoji="1" lang="ja-JP" altLang="en-US" dirty="0"/>
+          </a:p>
+        </p:txBody>
+      </p:sp>
+      <p:sp>
+        <p:nvSpPr>
+          <p:cNvPr id="4" name="テキスト ボックス 3">
+            <a:extLst>
+              <a:ext uri="{FF2B5EF4-FFF2-40B4-BE49-F238E27FC236}">
+                <a16:creationId xmlns:a16="http://schemas.microsoft.com/office/drawing/2014/main" id="{0335E89E-97E2-4752-99B9-AB45BA6B530B}"/>
+              </a:ext>
+            </a:extLst>
+          </p:cNvPr>
+          <p:cNvSpPr txBox="1"/>
+          <p:nvPr/>
+        </p:nvSpPr>
+        <p:spPr>
+          <a:xfrm>
+            <a:off x="1362075" y="6123543"/>
+            <a:ext cx="8085868" cy="369332"/>
+          </a:xfrm>
+          <a:prstGeom prst="rect">
+            <a:avLst/>
+          </a:prstGeom>
+          <a:noFill/>
+        </p:spPr>
+        <p:txBody>
+          <a:bodyPr wrap="none" rtlCol="0">
+            <a:spAutoFit/>
+          </a:bodyPr>
+          <a:lstStyle/>
+          <a:p>
+            <a:r>
+              <a:rPr kumimoji="1" lang="ja-JP" altLang="en-US" dirty="0"/>
+              <a:t>参考文献 </a:t>
+            </a:r>
+            <a:r>
+              <a:rPr kumimoji="1" lang="en-US" altLang="ja-JP" dirty="0"/>
+              <a:t>: </a:t>
+            </a:r>
+            <a:r>
+              <a:rPr kumimoji="1" lang="en-US" altLang="ja-JP" dirty="0" err="1"/>
+              <a:t>Arduino,MATLAB</a:t>
+            </a:r>
+            <a:r>
+              <a:rPr kumimoji="1" lang="ja-JP" altLang="en-US" dirty="0"/>
+              <a:t>連携と</a:t>
+            </a:r>
+            <a:r>
+              <a:rPr lang="en-US" altLang="ja-JP" dirty="0"/>
+              <a:t>Simulink</a:t>
+            </a:r>
+            <a:r>
+              <a:rPr lang="ja-JP" altLang="en-US" dirty="0"/>
+              <a:t>連携の微妙な違い</a:t>
+            </a:r>
+            <a:r>
+              <a:rPr lang="en-US" altLang="ja-JP" dirty="0"/>
+              <a:t>,(2021/12/25)</a:t>
+            </a:r>
+            <a:endParaRPr kumimoji="1" lang="ja-JP" altLang="en-US" dirty="0"/>
+          </a:p>
+        </p:txBody>
+      </p:sp>
+    </p:spTree>
+    <p:extLst>
+      <p:ext uri="{BB962C8B-B14F-4D97-AF65-F5344CB8AC3E}">
+        <p14:creationId xmlns:p14="http://schemas.microsoft.com/office/powerpoint/2010/main" val="3384523554"/>
+      </p:ext>
+    </p:extLst>
+  </p:cSld>
+  <p:clrMapOvr>
+    <a:masterClrMapping/>
+  </p:clrMapOvr>
+</p:sld>
+</file>
+
+<file path=ppt/slides/slide14.xml><?xml version="1.0" encoding="utf-8"?>
 <p:sld xmlns:a="http://schemas.openxmlformats.org/drawingml/2006/main" xmlns:r="http://schemas.openxmlformats.org/officeDocument/2006/relationships" xmlns:p="http://schemas.openxmlformats.org/presentationml/2006/main">
   <p:cSld>
     <p:spTree>
@@ -5410,7 +5959,7 @@
         <p:spPr/>
         <p:txBody>
           <a:bodyPr>
-            <a:normAutofit lnSpcReduction="10000"/>
+            <a:normAutofit fontScale="85000" lnSpcReduction="20000"/>
           </a:bodyPr>
           <a:lstStyle/>
           <a:p>
@@ -5535,6 +6084,43 @@
             <a:r>
               <a:rPr lang="ja-JP" altLang="en-US" b="1" dirty="0"/>
               <a:t>　 無線通信で必要な知識</a:t>
+            </a:r>
+            <a:endParaRPr lang="en-US" altLang="ja-JP" b="1" dirty="0"/>
+          </a:p>
+          <a:p>
+            <a:r>
+              <a:rPr lang="en-US" altLang="ja-JP" b="1" dirty="0"/>
+              <a:t>Pixhawk</a:t>
+            </a:r>
+            <a:r>
+              <a:rPr lang="ja-JP" altLang="en-US" b="1" dirty="0"/>
+              <a:t>を用いた</a:t>
+            </a:r>
+            <a:r>
+              <a:rPr lang="en-US" altLang="ja-JP" b="1" dirty="0"/>
+              <a:t>Simulink</a:t>
+            </a:r>
+            <a:r>
+              <a:rPr lang="ja-JP" altLang="en-US" b="1" dirty="0"/>
+              <a:t>実行</a:t>
+            </a:r>
+            <a:endParaRPr lang="en-US" altLang="ja-JP" b="1" dirty="0"/>
+          </a:p>
+          <a:p>
+            <a:pPr marL="0" indent="0">
+              <a:buNone/>
+            </a:pPr>
+            <a:r>
+              <a:rPr lang="ja-JP" altLang="en-US" b="1" dirty="0"/>
+              <a:t>　</a:t>
+            </a:r>
+            <a:r>
+              <a:rPr lang="en-US" altLang="ja-JP" b="1" dirty="0"/>
+              <a:t>Simulink</a:t>
+            </a:r>
+            <a:r>
+              <a:rPr lang="ja-JP" altLang="en-US" b="1" dirty="0"/>
+              <a:t>のコマンド実行</a:t>
             </a:r>
             <a:endParaRPr lang="en-US" altLang="ja-JP" b="1" dirty="0"/>
           </a:p>
@@ -5667,7 +6253,7 @@
         </p:nvSpPr>
         <p:spPr>
           <a:xfrm>
-            <a:off x="1990725" y="2171700"/>
+            <a:off x="2362200" y="2971800"/>
             <a:ext cx="2752725" cy="1581150"/>
           </a:xfrm>
           <a:prstGeom prst="rect">
@@ -5728,7 +6314,7 @@
         </p:nvSpPr>
         <p:spPr>
           <a:xfrm>
-            <a:off x="5895975" y="2247899"/>
+            <a:off x="6381750" y="2971800"/>
             <a:ext cx="3705225" cy="1724025"/>
           </a:xfrm>
           <a:prstGeom prst="rect">
@@ -6287,7 +6873,7 @@
           <p:cNvPr id="2" name="タイトル 1">
             <a:extLst>
               <a:ext uri="{FF2B5EF4-FFF2-40B4-BE49-F238E27FC236}">
-                <a16:creationId xmlns:a16="http://schemas.microsoft.com/office/drawing/2014/main" id="{3B4873BB-99E5-4136-B3DB-6CEB47B759BB}"/>
+                <a16:creationId xmlns:a16="http://schemas.microsoft.com/office/drawing/2014/main" id="{FD756183-7DCD-4244-AA33-47F288E7D5ED}"/>
               </a:ext>
             </a:extLst>
           </p:cNvPr>
@@ -6300,437 +6886,81 @@
         </p:nvSpPr>
         <p:spPr/>
         <p:txBody>
-          <a:bodyPr>
-            <a:normAutofit/>
-          </a:bodyPr>
-          <a:lstStyle/>
-          <a:p>
-            <a:r>
-              <a:rPr kumimoji="1" lang="en-US" altLang="ja-JP" sz="4000" b="1" dirty="0" err="1"/>
-              <a:t>uORB</a:t>
-            </a:r>
-            <a:r>
-              <a:rPr kumimoji="1" lang="en-US" altLang="ja-JP" sz="4000" b="1" dirty="0"/>
-              <a:t> Message</a:t>
-            </a:r>
-            <a:r>
-              <a:rPr kumimoji="1" lang="ja-JP" altLang="en-US" sz="4000" b="1" dirty="0"/>
-              <a:t>について（自分なりの答え）</a:t>
-            </a:r>
-            <a:endParaRPr kumimoji="1" lang="ja-JP" altLang="en-US" sz="4000" dirty="0"/>
-          </a:p>
-        </p:txBody>
-      </p:sp>
-      <p:pic>
-        <p:nvPicPr>
-          <p:cNvPr id="8" name="コンテンツ プレースホルダー 7">
-            <a:extLst>
-              <a:ext uri="{FF2B5EF4-FFF2-40B4-BE49-F238E27FC236}">
-                <a16:creationId xmlns:a16="http://schemas.microsoft.com/office/drawing/2014/main" id="{8110385A-BBEB-4165-B95C-8CD376035267}"/>
-              </a:ext>
-            </a:extLst>
-          </p:cNvPr>
-          <p:cNvPicPr>
-            <a:picLocks noGrp="1" noChangeAspect="1"/>
-          </p:cNvPicPr>
+          <a:bodyPr/>
+          <a:lstStyle/>
+          <a:p>
+            <a:r>
+              <a:rPr kumimoji="1" lang="en-US" altLang="ja-JP" dirty="0"/>
+              <a:t>Pixhawk</a:t>
+            </a:r>
+            <a:r>
+              <a:rPr lang="ja-JP" altLang="en-US" dirty="0"/>
+              <a:t>の</a:t>
+            </a:r>
+            <a:r>
+              <a:rPr kumimoji="1" lang="en-US" altLang="ja-JP" dirty="0"/>
+              <a:t>SD-card</a:t>
+            </a:r>
+            <a:r>
+              <a:rPr lang="ja-JP" altLang="en-US" dirty="0"/>
+              <a:t>に</a:t>
+            </a:r>
+            <a:r>
+              <a:rPr lang="en-US" altLang="ja-JP" dirty="0"/>
+              <a:t>rc.txt</a:t>
+            </a:r>
+            <a:r>
+              <a:rPr lang="ja-JP" altLang="en-US" dirty="0"/>
+              <a:t>を貼る理由</a:t>
+            </a:r>
+            <a:endParaRPr kumimoji="1" lang="ja-JP" altLang="en-US" dirty="0"/>
+          </a:p>
+        </p:txBody>
+      </p:sp>
+      <p:sp>
+        <p:nvSpPr>
+          <p:cNvPr id="3" name="コンテンツ プレースホルダー 2">
+            <a:extLst>
+              <a:ext uri="{FF2B5EF4-FFF2-40B4-BE49-F238E27FC236}">
+                <a16:creationId xmlns:a16="http://schemas.microsoft.com/office/drawing/2014/main" id="{F11C040F-726C-4F0E-B9DF-EF0771258E1E}"/>
+              </a:ext>
+            </a:extLst>
+          </p:cNvPr>
+          <p:cNvSpPr>
+            <a:spLocks noGrp="1"/>
+          </p:cNvSpPr>
           <p:nvPr>
             <p:ph idx="1"/>
           </p:nvPr>
-        </p:nvPicPr>
-        <p:blipFill>
-          <a:blip r:embed="rId3"/>
-          <a:stretch>
-            <a:fillRect/>
-          </a:stretch>
-        </p:blipFill>
-        <p:spPr>
-          <a:xfrm>
-            <a:off x="9007324" y="5423641"/>
-            <a:ext cx="2895851" cy="1219306"/>
-          </a:xfrm>
-          <a:prstGeom prst="rect">
-            <a:avLst/>
-          </a:prstGeom>
-        </p:spPr>
-      </p:pic>
-      <p:sp>
-        <p:nvSpPr>
-          <p:cNvPr id="4" name="正方形/長方形 3">
-            <a:extLst>
-              <a:ext uri="{FF2B5EF4-FFF2-40B4-BE49-F238E27FC236}">
-                <a16:creationId xmlns:a16="http://schemas.microsoft.com/office/drawing/2014/main" id="{724C3476-B54B-4A18-AC35-46EE29BEB57B}"/>
-              </a:ext>
-            </a:extLst>
-          </p:cNvPr>
-          <p:cNvSpPr/>
-          <p:nvPr/>
-        </p:nvSpPr>
-        <p:spPr>
-          <a:xfrm>
-            <a:off x="2743200" y="1592263"/>
-            <a:ext cx="6400800" cy="1129506"/>
-          </a:xfrm>
-          <a:prstGeom prst="rect">
-            <a:avLst/>
-          </a:prstGeom>
-        </p:spPr>
-        <p:style>
-          <a:lnRef idx="2">
-            <a:schemeClr val="accent1">
-              <a:shade val="50000"/>
-            </a:schemeClr>
-          </a:lnRef>
-          <a:fillRef idx="1">
-            <a:schemeClr val="accent1"/>
-          </a:fillRef>
-          <a:effectRef idx="0">
-            <a:schemeClr val="accent1"/>
-          </a:effectRef>
-          <a:fontRef idx="minor">
-            <a:schemeClr val="lt1"/>
-          </a:fontRef>
-        </p:style>
-        <p:txBody>
-          <a:bodyPr rtlCol="0" anchor="ctr"/>
-          <a:lstStyle/>
-          <a:p>
-            <a:pPr algn="ctr"/>
-            <a:r>
-              <a:rPr lang="en-US" altLang="ja-JP" b="1" dirty="0" err="1">
-                <a:effectLst/>
-              </a:rPr>
-              <a:t>uORB</a:t>
-            </a:r>
-            <a:r>
-              <a:rPr lang="ja-JP" altLang="en-US" b="1" dirty="0">
-                <a:effectLst/>
-              </a:rPr>
-              <a:t>とは、スレッドとプロセス内通信で非同期な </a:t>
-            </a:r>
-            <a:endParaRPr lang="en-US" altLang="ja-JP" b="1" dirty="0">
-              <a:effectLst/>
-            </a:endParaRPr>
-          </a:p>
-          <a:p>
-            <a:pPr algn="ctr"/>
-            <a:r>
-              <a:rPr lang="en-US" altLang="ja-JP" b="1" dirty="0">
-                <a:effectLst/>
-              </a:rPr>
-              <a:t>publish/subscribe</a:t>
-            </a:r>
-            <a:r>
-              <a:rPr lang="ja-JP" altLang="en-US" b="1" dirty="0">
-                <a:effectLst/>
-              </a:rPr>
-              <a:t>のメッセージ</a:t>
-            </a:r>
-            <a:r>
-              <a:rPr lang="en-US" altLang="ja-JP" b="1" dirty="0">
-                <a:effectLst/>
-              </a:rPr>
-              <a:t>API</a:t>
-            </a:r>
-            <a:r>
-              <a:rPr lang="ja-JP" altLang="en-US" b="1" dirty="0">
-                <a:effectLst/>
-              </a:rPr>
-              <a:t>です。</a:t>
-            </a:r>
-            <a:endParaRPr lang="en-US" altLang="ja-JP" b="1" dirty="0">
-              <a:effectLst/>
-            </a:endParaRPr>
-          </a:p>
-          <a:p>
-            <a:pPr algn="ctr"/>
-            <a:endParaRPr kumimoji="1" lang="ja-JP" altLang="en-US" dirty="0"/>
-          </a:p>
-        </p:txBody>
-      </p:sp>
-      <p:sp>
-        <p:nvSpPr>
-          <p:cNvPr id="5" name="正方形/長方形 4">
-            <a:extLst>
-              <a:ext uri="{FF2B5EF4-FFF2-40B4-BE49-F238E27FC236}">
-                <a16:creationId xmlns:a16="http://schemas.microsoft.com/office/drawing/2014/main" id="{DBD56CFC-6996-4238-B700-729DFCEF789B}"/>
-              </a:ext>
-            </a:extLst>
-          </p:cNvPr>
-          <p:cNvSpPr/>
-          <p:nvPr/>
-        </p:nvSpPr>
-        <p:spPr>
-          <a:xfrm>
-            <a:off x="3093720" y="3429000"/>
-            <a:ext cx="6004560" cy="1361440"/>
-          </a:xfrm>
-          <a:prstGeom prst="rect">
-            <a:avLst/>
-          </a:prstGeom>
-        </p:spPr>
-        <p:style>
-          <a:lnRef idx="2">
-            <a:schemeClr val="accent1">
-              <a:shade val="50000"/>
-            </a:schemeClr>
-          </a:lnRef>
-          <a:fillRef idx="1">
-            <a:schemeClr val="accent1"/>
-          </a:fillRef>
-          <a:effectRef idx="0">
-            <a:schemeClr val="accent1"/>
-          </a:effectRef>
-          <a:fontRef idx="minor">
-            <a:schemeClr val="lt1"/>
-          </a:fontRef>
-        </p:style>
-        <p:txBody>
-          <a:bodyPr rtlCol="0" anchor="ctr"/>
-          <a:lstStyle/>
-          <a:p>
-            <a:pPr algn="ctr"/>
-            <a:r>
-              <a:rPr lang="ja-JP" altLang="en-US" dirty="0"/>
-              <a:t>実行中のプログラム内（</a:t>
-            </a:r>
-            <a:r>
-              <a:rPr lang="en-US" altLang="ja-JP" dirty="0"/>
-              <a:t>Pixhawk</a:t>
-            </a:r>
-            <a:r>
-              <a:rPr lang="ja-JP" altLang="en-US" dirty="0"/>
-              <a:t>）での</a:t>
-            </a:r>
-            <a:endParaRPr lang="en-US" altLang="ja-JP" dirty="0"/>
-          </a:p>
-          <a:p>
-            <a:pPr algn="ctr"/>
-            <a:r>
-              <a:rPr lang="ja-JP" altLang="en-US" dirty="0"/>
-              <a:t>それぞれのプログラム処理内の通信で、</a:t>
-            </a:r>
-            <a:endParaRPr lang="en-US" altLang="ja-JP" dirty="0"/>
-          </a:p>
-          <a:p>
-            <a:pPr algn="ctr"/>
-            <a:r>
-              <a:rPr lang="ja-JP" altLang="en-US" dirty="0"/>
-              <a:t>データベース内のデータを</a:t>
-            </a:r>
-            <a:endParaRPr lang="en-US" altLang="ja-JP" dirty="0"/>
-          </a:p>
-          <a:p>
-            <a:pPr algn="ctr"/>
-            <a:r>
-              <a:rPr lang="ja-JP" altLang="en-US" dirty="0"/>
-              <a:t>送受信してくれるメッセージ機能である。</a:t>
-            </a:r>
-            <a:endParaRPr kumimoji="1" lang="ja-JP" altLang="en-US" dirty="0"/>
-          </a:p>
-        </p:txBody>
-      </p:sp>
-      <p:pic>
-        <p:nvPicPr>
-          <p:cNvPr id="6" name="図 5">
-            <a:extLst>
-              <a:ext uri="{FF2B5EF4-FFF2-40B4-BE49-F238E27FC236}">
-                <a16:creationId xmlns:a16="http://schemas.microsoft.com/office/drawing/2014/main" id="{B790BED1-E5FA-4D18-9332-078EC38CC3DA}"/>
-              </a:ext>
-            </a:extLst>
-          </p:cNvPr>
-          <p:cNvPicPr>
-            <a:picLocks noChangeAspect="1"/>
-          </p:cNvPicPr>
-          <p:nvPr/>
-        </p:nvPicPr>
-        <p:blipFill>
-          <a:blip r:embed="rId4"/>
-          <a:stretch>
-            <a:fillRect/>
-          </a:stretch>
-        </p:blipFill>
-        <p:spPr>
-          <a:xfrm>
-            <a:off x="9144000" y="2917826"/>
-            <a:ext cx="2660952" cy="1397000"/>
-          </a:xfrm>
-          <a:prstGeom prst="rect">
-            <a:avLst/>
-          </a:prstGeom>
-        </p:spPr>
-      </p:pic>
-      <p:sp>
-        <p:nvSpPr>
-          <p:cNvPr id="7" name="矢印: 下 6">
-            <a:extLst>
-              <a:ext uri="{FF2B5EF4-FFF2-40B4-BE49-F238E27FC236}">
-                <a16:creationId xmlns:a16="http://schemas.microsoft.com/office/drawing/2014/main" id="{C273DE5C-FEBA-4728-82A7-D9C425530F42}"/>
-              </a:ext>
-            </a:extLst>
-          </p:cNvPr>
-          <p:cNvSpPr/>
-          <p:nvPr/>
-        </p:nvSpPr>
-        <p:spPr>
-          <a:xfrm>
-            <a:off x="5466080" y="2895097"/>
-            <a:ext cx="955040" cy="388144"/>
-          </a:xfrm>
-          <a:prstGeom prst="downArrow">
-            <a:avLst/>
-          </a:prstGeom>
-        </p:spPr>
-        <p:style>
-          <a:lnRef idx="2">
-            <a:schemeClr val="accent1">
-              <a:shade val="50000"/>
-            </a:schemeClr>
-          </a:lnRef>
-          <a:fillRef idx="1">
-            <a:schemeClr val="accent1"/>
-          </a:fillRef>
-          <a:effectRef idx="0">
-            <a:schemeClr val="accent1"/>
-          </a:effectRef>
-          <a:fontRef idx="minor">
-            <a:schemeClr val="lt1"/>
-          </a:fontRef>
-        </p:style>
-        <p:txBody>
-          <a:bodyPr rtlCol="0" anchor="ctr"/>
-          <a:lstStyle/>
-          <a:p>
-            <a:pPr algn="ctr"/>
-            <a:endParaRPr kumimoji="1" lang="ja-JP" altLang="en-US" dirty="0"/>
-          </a:p>
-        </p:txBody>
-      </p:sp>
-      <p:sp>
-        <p:nvSpPr>
-          <p:cNvPr id="9" name="正方形/長方形 8">
-            <a:extLst>
-              <a:ext uri="{FF2B5EF4-FFF2-40B4-BE49-F238E27FC236}">
-                <a16:creationId xmlns:a16="http://schemas.microsoft.com/office/drawing/2014/main" id="{1E6905F8-E1E3-454B-BDF8-7DA96B089015}"/>
-              </a:ext>
-            </a:extLst>
-          </p:cNvPr>
-          <p:cNvSpPr/>
-          <p:nvPr/>
-        </p:nvSpPr>
-        <p:spPr>
-          <a:xfrm>
-            <a:off x="2976880" y="5039360"/>
-            <a:ext cx="6030444" cy="1603587"/>
-          </a:xfrm>
-          <a:prstGeom prst="rect">
-            <a:avLst/>
-          </a:prstGeom>
-        </p:spPr>
-        <p:style>
-          <a:lnRef idx="2">
-            <a:schemeClr val="accent1">
-              <a:shade val="50000"/>
-            </a:schemeClr>
-          </a:lnRef>
-          <a:fillRef idx="1">
-            <a:schemeClr val="accent1"/>
-          </a:fillRef>
-          <a:effectRef idx="0">
-            <a:schemeClr val="accent1"/>
-          </a:effectRef>
-          <a:fontRef idx="minor">
-            <a:schemeClr val="lt1"/>
-          </a:fontRef>
-        </p:style>
-        <p:txBody>
-          <a:bodyPr rtlCol="0" anchor="ctr"/>
-          <a:lstStyle/>
-          <a:p>
-            <a:pPr algn="ctr"/>
-            <a:r>
-              <a:rPr kumimoji="1" lang="en-US" altLang="ja-JP" b="1" dirty="0">
-                <a:solidFill>
-                  <a:srgbClr val="FF0000"/>
-                </a:solidFill>
-              </a:rPr>
-              <a:t>Pixhawk</a:t>
-            </a:r>
-            <a:r>
-              <a:rPr kumimoji="1" lang="ja-JP" altLang="en-US" b="1" dirty="0">
-                <a:solidFill>
-                  <a:srgbClr val="FF0000"/>
-                </a:solidFill>
-              </a:rPr>
-              <a:t>外内でのメッセージのやり取り</a:t>
-            </a:r>
-            <a:endParaRPr kumimoji="1" lang="en-US" altLang="ja-JP" b="1" dirty="0">
-              <a:solidFill>
-                <a:srgbClr val="FF0000"/>
-              </a:solidFill>
-            </a:endParaRPr>
-          </a:p>
-          <a:p>
-            <a:pPr algn="ctr"/>
-            <a:r>
-              <a:rPr kumimoji="1" lang="ja-JP" altLang="en-US" b="1" dirty="0">
-                <a:solidFill>
-                  <a:srgbClr val="FF0000"/>
-                </a:solidFill>
-              </a:rPr>
-              <a:t>をしてくれる機能（</a:t>
-            </a:r>
-            <a:r>
-              <a:rPr kumimoji="1" lang="en-US" altLang="ja-JP" b="1" dirty="0">
-                <a:solidFill>
-                  <a:srgbClr val="FF0000"/>
-                </a:solidFill>
-              </a:rPr>
-              <a:t>API</a:t>
-            </a:r>
-            <a:r>
-              <a:rPr kumimoji="1" lang="ja-JP" altLang="en-US" b="1" dirty="0">
-                <a:solidFill>
-                  <a:srgbClr val="FF0000"/>
-                </a:solidFill>
-              </a:rPr>
-              <a:t>）</a:t>
-            </a:r>
-            <a:endParaRPr kumimoji="1" lang="en-US" altLang="ja-JP" b="1" dirty="0">
-              <a:solidFill>
-                <a:srgbClr val="FF0000"/>
-              </a:solidFill>
-            </a:endParaRPr>
-          </a:p>
-          <a:p>
-            <a:pPr algn="ctr"/>
-            <a:r>
-              <a:rPr lang="en-US" altLang="ja-JP" b="1" dirty="0">
-                <a:solidFill>
-                  <a:srgbClr val="FF0000"/>
-                </a:solidFill>
-              </a:rPr>
-              <a:t>Message: </a:t>
-            </a:r>
-            <a:r>
-              <a:rPr lang="ja-JP" altLang="en-US" b="1" dirty="0">
-                <a:solidFill>
-                  <a:srgbClr val="FF0000"/>
-                </a:solidFill>
-              </a:rPr>
-              <a:t>センサなどの情報</a:t>
-            </a:r>
-            <a:endParaRPr kumimoji="1" lang="ja-JP" altLang="en-US" b="1" dirty="0">
-              <a:solidFill>
-                <a:srgbClr val="FF0000"/>
-              </a:solidFill>
-            </a:endParaRPr>
+        </p:nvSpPr>
+        <p:spPr/>
+        <p:txBody>
+          <a:bodyPr/>
+          <a:lstStyle/>
+          <a:p>
+            <a:r>
+              <a:rPr kumimoji="1" lang="en-US" altLang="ja-JP" dirty="0"/>
+              <a:t>Simulink</a:t>
+            </a:r>
+            <a:r>
+              <a:rPr kumimoji="1" lang="ja-JP" altLang="en-US" dirty="0"/>
+              <a:t>で作った</a:t>
+            </a:r>
+            <a:r>
+              <a:rPr kumimoji="1" lang="en-US" altLang="ja-JP" dirty="0"/>
+              <a:t>model</a:t>
+            </a:r>
+            <a:r>
+              <a:rPr kumimoji="1" lang="ja-JP" altLang="en-US" dirty="0"/>
+              <a:t>を実行するため。</a:t>
+            </a:r>
           </a:p>
         </p:txBody>
       </p:sp>
     </p:spTree>
     <p:extLst>
       <p:ext uri="{BB962C8B-B14F-4D97-AF65-F5344CB8AC3E}">
-        <p14:creationId xmlns:p14="http://schemas.microsoft.com/office/powerpoint/2010/main" val="1357278063"/>
+        <p14:creationId xmlns:p14="http://schemas.microsoft.com/office/powerpoint/2010/main" val="3814456441"/>
       </p:ext>
     </p:extLst>
   </p:cSld>
@@ -6762,7 +6992,7 @@
           <p:cNvPr id="2" name="タイトル 1">
             <a:extLst>
               <a:ext uri="{FF2B5EF4-FFF2-40B4-BE49-F238E27FC236}">
-                <a16:creationId xmlns:a16="http://schemas.microsoft.com/office/drawing/2014/main" id="{0D2FEED9-6185-44FA-AABA-60FAF95AEF02}"/>
+                <a16:creationId xmlns:a16="http://schemas.microsoft.com/office/drawing/2014/main" id="{3B4873BB-99E5-4136-B3DB-6CEB47B759BB}"/>
               </a:ext>
             </a:extLst>
           </p:cNvPr>
@@ -6775,215 +7005,437 @@
         </p:nvSpPr>
         <p:spPr/>
         <p:txBody>
-          <a:bodyPr/>
-          <a:lstStyle/>
-          <a:p>
-            <a:r>
-              <a:rPr kumimoji="1" lang="en-US" altLang="ja-JP" b="1" dirty="0"/>
+          <a:bodyPr>
+            <a:normAutofit/>
+          </a:bodyPr>
+          <a:lstStyle/>
+          <a:p>
+            <a:r>
+              <a:rPr kumimoji="1" lang="en-US" altLang="ja-JP" sz="4000" b="1" dirty="0" err="1"/>
+              <a:t>uORB</a:t>
+            </a:r>
+            <a:r>
+              <a:rPr kumimoji="1" lang="en-US" altLang="ja-JP" sz="4000" b="1" dirty="0"/>
+              <a:t> Message</a:t>
+            </a:r>
+            <a:r>
+              <a:rPr kumimoji="1" lang="ja-JP" altLang="en-US" sz="4000" b="1" dirty="0"/>
+              <a:t>について（自分なりの答え）</a:t>
+            </a:r>
+            <a:endParaRPr kumimoji="1" lang="ja-JP" altLang="en-US" sz="4000" dirty="0"/>
+          </a:p>
+        </p:txBody>
+      </p:sp>
+      <p:pic>
+        <p:nvPicPr>
+          <p:cNvPr id="8" name="コンテンツ プレースホルダー 7">
+            <a:extLst>
+              <a:ext uri="{FF2B5EF4-FFF2-40B4-BE49-F238E27FC236}">
+                <a16:creationId xmlns:a16="http://schemas.microsoft.com/office/drawing/2014/main" id="{8110385A-BBEB-4165-B95C-8CD376035267}"/>
+              </a:ext>
+            </a:extLst>
+          </p:cNvPr>
+          <p:cNvPicPr>
+            <a:picLocks noGrp="1" noChangeAspect="1"/>
+          </p:cNvPicPr>
+          <p:nvPr>
+            <p:ph idx="1"/>
+          </p:nvPr>
+        </p:nvPicPr>
+        <p:blipFill>
+          <a:blip r:embed="rId3"/>
+          <a:stretch>
+            <a:fillRect/>
+          </a:stretch>
+        </p:blipFill>
+        <p:spPr>
+          <a:xfrm>
+            <a:off x="9007324" y="5423641"/>
+            <a:ext cx="2895851" cy="1219306"/>
+          </a:xfrm>
+          <a:prstGeom prst="rect">
+            <a:avLst/>
+          </a:prstGeom>
+        </p:spPr>
+      </p:pic>
+      <p:sp>
+        <p:nvSpPr>
+          <p:cNvPr id="4" name="正方形/長方形 3">
+            <a:extLst>
+              <a:ext uri="{FF2B5EF4-FFF2-40B4-BE49-F238E27FC236}">
+                <a16:creationId xmlns:a16="http://schemas.microsoft.com/office/drawing/2014/main" id="{724C3476-B54B-4A18-AC35-46EE29BEB57B}"/>
+              </a:ext>
+            </a:extLst>
+          </p:cNvPr>
+          <p:cNvSpPr/>
+          <p:nvPr/>
+        </p:nvSpPr>
+        <p:spPr>
+          <a:xfrm>
+            <a:off x="2743200" y="1592263"/>
+            <a:ext cx="6400800" cy="1129506"/>
+          </a:xfrm>
+          <a:prstGeom prst="rect">
+            <a:avLst/>
+          </a:prstGeom>
+        </p:spPr>
+        <p:style>
+          <a:lnRef idx="2">
+            <a:schemeClr val="accent1">
+              <a:shade val="50000"/>
+            </a:schemeClr>
+          </a:lnRef>
+          <a:fillRef idx="1">
+            <a:schemeClr val="accent1"/>
+          </a:fillRef>
+          <a:effectRef idx="0">
+            <a:schemeClr val="accent1"/>
+          </a:effectRef>
+          <a:fontRef idx="minor">
+            <a:schemeClr val="lt1"/>
+          </a:fontRef>
+        </p:style>
+        <p:txBody>
+          <a:bodyPr rtlCol="0" anchor="ctr"/>
+          <a:lstStyle/>
+          <a:p>
+            <a:pPr algn="ctr"/>
+            <a:r>
+              <a:rPr lang="en-US" altLang="ja-JP" b="1" dirty="0" err="1">
+                <a:effectLst/>
+              </a:rPr>
+              <a:t>uORB</a:t>
+            </a:r>
+            <a:r>
+              <a:rPr lang="ja-JP" altLang="en-US" b="1" dirty="0">
+                <a:effectLst/>
+              </a:rPr>
+              <a:t>とは、スレッドとプロセス内通信で非同期な </a:t>
+            </a:r>
+            <a:endParaRPr lang="en-US" altLang="ja-JP" b="1" dirty="0">
+              <a:effectLst/>
+            </a:endParaRPr>
+          </a:p>
+          <a:p>
+            <a:pPr algn="ctr"/>
+            <a:r>
+              <a:rPr lang="en-US" altLang="ja-JP" b="1" dirty="0">
+                <a:effectLst/>
+              </a:rPr>
+              <a:t>publish/subscribe</a:t>
+            </a:r>
+            <a:r>
+              <a:rPr lang="ja-JP" altLang="en-US" b="1" dirty="0">
+                <a:effectLst/>
+              </a:rPr>
+              <a:t>のメッセージ</a:t>
+            </a:r>
+            <a:r>
+              <a:rPr lang="en-US" altLang="ja-JP" b="1" dirty="0">
+                <a:effectLst/>
+              </a:rPr>
+              <a:t>API</a:t>
+            </a:r>
+            <a:r>
+              <a:rPr lang="ja-JP" altLang="en-US" b="1" dirty="0">
+                <a:effectLst/>
+              </a:rPr>
+              <a:t>です。</a:t>
+            </a:r>
+            <a:endParaRPr lang="en-US" altLang="ja-JP" b="1" dirty="0">
+              <a:effectLst/>
+            </a:endParaRPr>
+          </a:p>
+          <a:p>
+            <a:pPr algn="ctr"/>
+            <a:endParaRPr kumimoji="1" lang="ja-JP" altLang="en-US" dirty="0"/>
+          </a:p>
+        </p:txBody>
+      </p:sp>
+      <p:sp>
+        <p:nvSpPr>
+          <p:cNvPr id="5" name="正方形/長方形 4">
+            <a:extLst>
+              <a:ext uri="{FF2B5EF4-FFF2-40B4-BE49-F238E27FC236}">
+                <a16:creationId xmlns:a16="http://schemas.microsoft.com/office/drawing/2014/main" id="{DBD56CFC-6996-4238-B700-729DFCEF789B}"/>
+              </a:ext>
+            </a:extLst>
+          </p:cNvPr>
+          <p:cNvSpPr/>
+          <p:nvPr/>
+        </p:nvSpPr>
+        <p:spPr>
+          <a:xfrm>
+            <a:off x="3093720" y="3429000"/>
+            <a:ext cx="6004560" cy="1361440"/>
+          </a:xfrm>
+          <a:prstGeom prst="rect">
+            <a:avLst/>
+          </a:prstGeom>
+        </p:spPr>
+        <p:style>
+          <a:lnRef idx="2">
+            <a:schemeClr val="accent1">
+              <a:shade val="50000"/>
+            </a:schemeClr>
+          </a:lnRef>
+          <a:fillRef idx="1">
+            <a:schemeClr val="accent1"/>
+          </a:fillRef>
+          <a:effectRef idx="0">
+            <a:schemeClr val="accent1"/>
+          </a:effectRef>
+          <a:fontRef idx="minor">
+            <a:schemeClr val="lt1"/>
+          </a:fontRef>
+        </p:style>
+        <p:txBody>
+          <a:bodyPr rtlCol="0" anchor="ctr"/>
+          <a:lstStyle/>
+          <a:p>
+            <a:pPr algn="ctr"/>
+            <a:r>
+              <a:rPr lang="ja-JP" altLang="en-US" dirty="0"/>
+              <a:t>実行中のプログラム内（</a:t>
+            </a:r>
+            <a:r>
+              <a:rPr lang="en-US" altLang="ja-JP" dirty="0"/>
               <a:t>Pixhawk</a:t>
             </a:r>
             <a:r>
-              <a:rPr kumimoji="1" lang="ja-JP" altLang="en-US" b="1" dirty="0"/>
-              <a:t>のコンパイル</a:t>
-            </a:r>
-            <a:r>
-              <a:rPr lang="ja-JP" altLang="en-US" b="1" dirty="0"/>
-              <a:t>の処理の流れ</a:t>
-            </a:r>
-            <a:r>
-              <a:rPr kumimoji="1" lang="ja-JP" altLang="en-US" b="1" dirty="0"/>
-              <a:t>（</a:t>
-            </a:r>
-            <a:r>
-              <a:rPr kumimoji="1" lang="en-US" altLang="ja-JP" b="1" dirty="0"/>
-              <a:t>p57</a:t>
-            </a:r>
-            <a:r>
-              <a:rPr kumimoji="1" lang="ja-JP" altLang="en-US" b="1" dirty="0"/>
+              <a:rPr lang="ja-JP" altLang="en-US" dirty="0"/>
+              <a:t>）での</a:t>
+            </a:r>
+            <a:endParaRPr lang="en-US" altLang="ja-JP" dirty="0"/>
+          </a:p>
+          <a:p>
+            <a:pPr algn="ctr"/>
+            <a:r>
+              <a:rPr lang="ja-JP" altLang="en-US" dirty="0"/>
+              <a:t>それぞれのプログラム処理内の通信で、</a:t>
+            </a:r>
+            <a:endParaRPr lang="en-US" altLang="ja-JP" dirty="0"/>
+          </a:p>
+          <a:p>
+            <a:pPr algn="ctr"/>
+            <a:r>
+              <a:rPr lang="ja-JP" altLang="en-US" dirty="0"/>
+              <a:t>データベース内のデータを</a:t>
+            </a:r>
+            <a:endParaRPr lang="en-US" altLang="ja-JP" dirty="0"/>
+          </a:p>
+          <a:p>
+            <a:pPr algn="ctr"/>
+            <a:r>
+              <a:rPr lang="ja-JP" altLang="en-US" dirty="0"/>
+              <a:t>送受信してくれるメッセージ機能である。</a:t>
+            </a:r>
+            <a:endParaRPr kumimoji="1" lang="ja-JP" altLang="en-US" dirty="0"/>
+          </a:p>
+        </p:txBody>
+      </p:sp>
+      <p:pic>
+        <p:nvPicPr>
+          <p:cNvPr id="6" name="図 5">
+            <a:extLst>
+              <a:ext uri="{FF2B5EF4-FFF2-40B4-BE49-F238E27FC236}">
+                <a16:creationId xmlns:a16="http://schemas.microsoft.com/office/drawing/2014/main" id="{B790BED1-E5FA-4D18-9332-078EC38CC3DA}"/>
+              </a:ext>
+            </a:extLst>
+          </p:cNvPr>
+          <p:cNvPicPr>
+            <a:picLocks noChangeAspect="1"/>
+          </p:cNvPicPr>
+          <p:nvPr/>
+        </p:nvPicPr>
+        <p:blipFill>
+          <a:blip r:embed="rId4"/>
+          <a:stretch>
+            <a:fillRect/>
+          </a:stretch>
+        </p:blipFill>
+        <p:spPr>
+          <a:xfrm>
+            <a:off x="9144000" y="2917826"/>
+            <a:ext cx="2660952" cy="1397000"/>
+          </a:xfrm>
+          <a:prstGeom prst="rect">
+            <a:avLst/>
+          </a:prstGeom>
+        </p:spPr>
+      </p:pic>
+      <p:sp>
+        <p:nvSpPr>
+          <p:cNvPr id="7" name="矢印: 下 6">
+            <a:extLst>
+              <a:ext uri="{FF2B5EF4-FFF2-40B4-BE49-F238E27FC236}">
+                <a16:creationId xmlns:a16="http://schemas.microsoft.com/office/drawing/2014/main" id="{C273DE5C-FEBA-4728-82A7-D9C425530F42}"/>
+              </a:ext>
+            </a:extLst>
+          </p:cNvPr>
+          <p:cNvSpPr/>
+          <p:nvPr/>
+        </p:nvSpPr>
+        <p:spPr>
+          <a:xfrm>
+            <a:off x="5466080" y="2895097"/>
+            <a:ext cx="955040" cy="388144"/>
+          </a:xfrm>
+          <a:prstGeom prst="downArrow">
+            <a:avLst/>
+          </a:prstGeom>
+        </p:spPr>
+        <p:style>
+          <a:lnRef idx="2">
+            <a:schemeClr val="accent1">
+              <a:shade val="50000"/>
+            </a:schemeClr>
+          </a:lnRef>
+          <a:fillRef idx="1">
+            <a:schemeClr val="accent1"/>
+          </a:fillRef>
+          <a:effectRef idx="0">
+            <a:schemeClr val="accent1"/>
+          </a:effectRef>
+          <a:fontRef idx="minor">
+            <a:schemeClr val="lt1"/>
+          </a:fontRef>
+        </p:style>
+        <p:txBody>
+          <a:bodyPr rtlCol="0" anchor="ctr"/>
+          <a:lstStyle/>
+          <a:p>
+            <a:pPr algn="ctr"/>
+            <a:endParaRPr kumimoji="1" lang="ja-JP" altLang="en-US" dirty="0"/>
+          </a:p>
+        </p:txBody>
+      </p:sp>
+      <p:sp>
+        <p:nvSpPr>
+          <p:cNvPr id="9" name="正方形/長方形 8">
+            <a:extLst>
+              <a:ext uri="{FF2B5EF4-FFF2-40B4-BE49-F238E27FC236}">
+                <a16:creationId xmlns:a16="http://schemas.microsoft.com/office/drawing/2014/main" id="{1E6905F8-E1E3-454B-BDF8-7DA96B089015}"/>
+              </a:ext>
+            </a:extLst>
+          </p:cNvPr>
+          <p:cNvSpPr/>
+          <p:nvPr/>
+        </p:nvSpPr>
+        <p:spPr>
+          <a:xfrm>
+            <a:off x="2976880" y="5039360"/>
+            <a:ext cx="6030444" cy="1603587"/>
+          </a:xfrm>
+          <a:prstGeom prst="rect">
+            <a:avLst/>
+          </a:prstGeom>
+        </p:spPr>
+        <p:style>
+          <a:lnRef idx="2">
+            <a:schemeClr val="accent1">
+              <a:shade val="50000"/>
+            </a:schemeClr>
+          </a:lnRef>
+          <a:fillRef idx="1">
+            <a:schemeClr val="accent1"/>
+          </a:fillRef>
+          <a:effectRef idx="0">
+            <a:schemeClr val="accent1"/>
+          </a:effectRef>
+          <a:fontRef idx="minor">
+            <a:schemeClr val="lt1"/>
+          </a:fontRef>
+        </p:style>
+        <p:txBody>
+          <a:bodyPr rtlCol="0" anchor="ctr"/>
+          <a:lstStyle/>
+          <a:p>
+            <a:pPr algn="ctr"/>
+            <a:r>
+              <a:rPr kumimoji="1" lang="en-US" altLang="ja-JP" b="1" dirty="0">
+                <a:solidFill>
+                  <a:srgbClr val="FF0000"/>
+                </a:solidFill>
+              </a:rPr>
+              <a:t>Pixhawk</a:t>
+            </a:r>
+            <a:r>
+              <a:rPr kumimoji="1" lang="ja-JP" altLang="en-US" b="1" dirty="0">
+                <a:solidFill>
+                  <a:srgbClr val="FF0000"/>
+                </a:solidFill>
+              </a:rPr>
+              <a:t>外内でのメッセージのやり取り</a:t>
+            </a:r>
+            <a:endParaRPr kumimoji="1" lang="en-US" altLang="ja-JP" b="1" dirty="0">
+              <a:solidFill>
+                <a:srgbClr val="FF0000"/>
+              </a:solidFill>
+            </a:endParaRPr>
+          </a:p>
+          <a:p>
+            <a:pPr algn="ctr"/>
+            <a:r>
+              <a:rPr kumimoji="1" lang="ja-JP" altLang="en-US" b="1" dirty="0">
+                <a:solidFill>
+                  <a:srgbClr val="FF0000"/>
+                </a:solidFill>
+              </a:rPr>
+              <a:t>をしてくれる機能（</a:t>
+            </a:r>
+            <a:r>
+              <a:rPr kumimoji="1" lang="en-US" altLang="ja-JP" b="1" dirty="0">
+                <a:solidFill>
+                  <a:srgbClr val="FF0000"/>
+                </a:solidFill>
+              </a:rPr>
+              <a:t>API</a:t>
+            </a:r>
+            <a:r>
+              <a:rPr kumimoji="1" lang="ja-JP" altLang="en-US" b="1" dirty="0">
+                <a:solidFill>
+                  <a:srgbClr val="FF0000"/>
+                </a:solidFill>
+              </a:rPr>
               <a:t>）</a:t>
             </a:r>
-          </a:p>
-        </p:txBody>
-      </p:sp>
-      <p:sp>
-        <p:nvSpPr>
-          <p:cNvPr id="3" name="コンテンツ プレースホルダー 2">
-            <a:extLst>
-              <a:ext uri="{FF2B5EF4-FFF2-40B4-BE49-F238E27FC236}">
-                <a16:creationId xmlns:a16="http://schemas.microsoft.com/office/drawing/2014/main" id="{8E9C562A-93C5-4670-886D-7E6DCB6A0E52}"/>
-              </a:ext>
-            </a:extLst>
-          </p:cNvPr>
-          <p:cNvSpPr>
-            <a:spLocks noGrp="1"/>
-          </p:cNvSpPr>
-          <p:nvPr>
-            <p:ph idx="1"/>
-          </p:nvPr>
-        </p:nvSpPr>
-        <p:spPr/>
-        <p:txBody>
-          <a:bodyPr/>
-          <a:lstStyle/>
-          <a:p>
-            <a:r>
-              <a:rPr kumimoji="1" lang="en-US" altLang="ja-JP" b="1" dirty="0"/>
-              <a:t>Simulink</a:t>
-            </a:r>
-            <a:r>
-              <a:rPr kumimoji="1" lang="ja-JP" altLang="en-US" b="1" dirty="0"/>
-              <a:t>で作られた</a:t>
-            </a:r>
-            <a:r>
-              <a:rPr kumimoji="1" lang="en-US" altLang="ja-JP" b="1" dirty="0"/>
-              <a:t>Pixhawk</a:t>
-            </a:r>
-            <a:r>
-              <a:rPr kumimoji="1" lang="ja-JP" altLang="en-US" b="1" dirty="0"/>
-              <a:t>のモデルを</a:t>
-            </a:r>
-            <a:r>
-              <a:rPr lang="en-US" altLang="ja-JP" b="1" dirty="0"/>
-              <a:t>PSP Toolbox</a:t>
-            </a:r>
-            <a:r>
-              <a:rPr lang="ja-JP" altLang="en-US" b="1" dirty="0"/>
-              <a:t>でそーしコード化（</a:t>
-            </a:r>
-            <a:r>
-              <a:rPr lang="en-US" altLang="ja-JP" b="1" dirty="0"/>
-              <a:t>C/C++</a:t>
-            </a:r>
-            <a:r>
-              <a:rPr lang="ja-JP" altLang="en-US" b="1" dirty="0"/>
-              <a:t>）する。</a:t>
-            </a:r>
-            <a:endParaRPr lang="en-US" altLang="ja-JP" b="1" dirty="0"/>
-          </a:p>
-          <a:p>
-            <a:r>
-              <a:rPr kumimoji="1" lang="ja-JP" altLang="en-US" b="1" dirty="0"/>
-              <a:t>出来たソースコードを</a:t>
-            </a:r>
-            <a:r>
-              <a:rPr kumimoji="1" lang="en-US" altLang="ja-JP" b="1" dirty="0"/>
-              <a:t>PX4 source code</a:t>
-            </a:r>
-            <a:r>
-              <a:rPr kumimoji="1" lang="ja-JP" altLang="en-US" b="1" dirty="0"/>
-              <a:t>にインポートする。</a:t>
-            </a:r>
-            <a:endParaRPr lang="en-US" altLang="ja-JP" b="1" dirty="0"/>
-          </a:p>
-          <a:p>
-            <a:pPr marL="0" indent="0">
-              <a:buNone/>
-            </a:pPr>
-            <a:r>
-              <a:rPr lang="ja-JP" altLang="en-US" b="1" dirty="0"/>
-              <a:t>　</a:t>
-            </a:r>
-            <a:r>
-              <a:rPr lang="en-US" altLang="ja-JP" b="1" dirty="0"/>
-              <a:t>p</a:t>
-            </a:r>
-            <a:r>
-              <a:rPr kumimoji="1" lang="en-US" altLang="ja-JP" b="1" dirty="0"/>
-              <a:t>x4_</a:t>
-            </a:r>
-            <a:r>
-              <a:rPr lang="en-US" altLang="ja-JP" b="1" dirty="0"/>
-              <a:t>Simulink_app module</a:t>
-            </a:r>
-            <a:r>
-              <a:rPr lang="ja-JP" altLang="en-US" b="1" dirty="0"/>
-              <a:t>を生み出すのに</a:t>
-            </a:r>
-            <a:endParaRPr lang="en-US" altLang="ja-JP" b="1" dirty="0"/>
-          </a:p>
-          <a:p>
-            <a:r>
-              <a:rPr kumimoji="1" lang="en-US" altLang="ja-JP" b="1" dirty="0"/>
-              <a:t>PSP Toolbox</a:t>
-            </a:r>
-            <a:r>
-              <a:rPr kumimoji="1" lang="ja-JP" altLang="en-US" b="1" dirty="0"/>
-              <a:t>が</a:t>
-            </a:r>
-            <a:r>
-              <a:rPr kumimoji="1" lang="en-US" altLang="ja-JP" b="1" dirty="0"/>
-              <a:t>Cygwin toolchain</a:t>
-            </a:r>
-            <a:r>
-              <a:rPr kumimoji="1" lang="ja-JP" altLang="en-US" b="1" dirty="0"/>
-              <a:t>を呼んでくれて、コンパイルしてくれる。（</a:t>
-            </a:r>
-            <a:r>
-              <a:rPr kumimoji="1" lang="en-US" altLang="ja-JP" b="1" dirty="0"/>
-              <a:t>.px4</a:t>
-            </a:r>
-            <a:r>
-              <a:rPr kumimoji="1" lang="ja-JP" altLang="en-US" b="1" dirty="0"/>
-              <a:t>に変換）</a:t>
-            </a:r>
-            <a:endParaRPr kumimoji="1" lang="en-US" altLang="ja-JP" b="1" dirty="0"/>
-          </a:p>
-          <a:p>
-            <a:r>
-              <a:rPr lang="ja-JP" altLang="en-US" b="1" dirty="0"/>
-              <a:t>自分で作った</a:t>
-            </a:r>
-            <a:r>
-              <a:rPr lang="en-US" altLang="ja-JP" b="1" dirty="0"/>
-              <a:t>Simulink model</a:t>
-            </a:r>
-            <a:r>
-              <a:rPr lang="ja-JP" altLang="en-US" b="1" dirty="0"/>
-              <a:t>を使用したい場合、</a:t>
-            </a:r>
-            <a:r>
-              <a:rPr lang="en-US" altLang="ja-JP" b="1" dirty="0"/>
-              <a:t>module</a:t>
-            </a:r>
-            <a:r>
-              <a:rPr lang="ja-JP" altLang="en-US" b="1" dirty="0"/>
-              <a:t>の取り換え作業を行う必要がある。</a:t>
-            </a:r>
-            <a:endParaRPr lang="en-US" altLang="ja-JP" b="1" dirty="0"/>
-          </a:p>
-          <a:p>
-            <a:r>
-              <a:rPr kumimoji="1" lang="ja-JP" altLang="en-US" b="1" dirty="0"/>
-              <a:t>最後</a:t>
-            </a:r>
-            <a:r>
-              <a:rPr lang="ja-JP" altLang="en-US" b="1" dirty="0"/>
-              <a:t>にデプロイをし、</a:t>
-            </a:r>
-            <a:r>
-              <a:rPr lang="en-US" altLang="ja-JP" b="1" dirty="0"/>
-              <a:t>Pixhawk</a:t>
-            </a:r>
-            <a:r>
-              <a:rPr lang="ja-JP" altLang="en-US" b="1" dirty="0"/>
-              <a:t>に</a:t>
-            </a:r>
-            <a:r>
-              <a:rPr lang="en-US" altLang="ja-JP" b="1" dirty="0"/>
-              <a:t>model</a:t>
-            </a:r>
-            <a:r>
-              <a:rPr lang="ja-JP" altLang="en-US" b="1" dirty="0"/>
-              <a:t>を取り込む。</a:t>
-            </a:r>
-            <a:endParaRPr kumimoji="1" lang="en-US" altLang="ja-JP" b="1" dirty="0"/>
+            <a:endParaRPr kumimoji="1" lang="en-US" altLang="ja-JP" b="1" dirty="0">
+              <a:solidFill>
+                <a:srgbClr val="FF0000"/>
+              </a:solidFill>
+            </a:endParaRPr>
+          </a:p>
+          <a:p>
+            <a:pPr algn="ctr"/>
+            <a:r>
+              <a:rPr lang="en-US" altLang="ja-JP" b="1" dirty="0">
+                <a:solidFill>
+                  <a:srgbClr val="FF0000"/>
+                </a:solidFill>
+              </a:rPr>
+              <a:t>Message: </a:t>
+            </a:r>
+            <a:r>
+              <a:rPr lang="ja-JP" altLang="en-US" b="1" dirty="0">
+                <a:solidFill>
+                  <a:srgbClr val="FF0000"/>
+                </a:solidFill>
+              </a:rPr>
+              <a:t>センサなどの情報</a:t>
+            </a:r>
+            <a:endParaRPr kumimoji="1" lang="ja-JP" altLang="en-US" b="1" dirty="0">
+              <a:solidFill>
+                <a:srgbClr val="FF0000"/>
+              </a:solidFill>
+            </a:endParaRPr>
           </a:p>
         </p:txBody>
       </p:sp>
     </p:spTree>
     <p:extLst>
       <p:ext uri="{BB962C8B-B14F-4D97-AF65-F5344CB8AC3E}">
-        <p14:creationId xmlns:p14="http://schemas.microsoft.com/office/powerpoint/2010/main" val="1241072019"/>
+        <p14:creationId xmlns:p14="http://schemas.microsoft.com/office/powerpoint/2010/main" val="1357278063"/>
       </p:ext>
     </p:extLst>
   </p:cSld>
@@ -7015,7 +7467,7 @@
           <p:cNvPr id="2" name="タイトル 1">
             <a:extLst>
               <a:ext uri="{FF2B5EF4-FFF2-40B4-BE49-F238E27FC236}">
-                <a16:creationId xmlns:a16="http://schemas.microsoft.com/office/drawing/2014/main" id="{10608475-E186-4BC7-98EC-8B76125230D8}"/>
+                <a16:creationId xmlns:a16="http://schemas.microsoft.com/office/drawing/2014/main" id="{0D2FEED9-6185-44FA-AABA-60FAF95AEF02}"/>
               </a:ext>
             </a:extLst>
           </p:cNvPr>
@@ -7028,188 +7480,215 @@
         </p:nvSpPr>
         <p:spPr/>
         <p:txBody>
-          <a:bodyPr>
-            <a:normAutofit/>
-          </a:bodyPr>
-          <a:lstStyle/>
-          <a:p>
+          <a:bodyPr/>
+          <a:lstStyle/>
+          <a:p>
+            <a:r>
+              <a:rPr kumimoji="1" lang="en-US" altLang="ja-JP" b="1" dirty="0"/>
+              <a:t>Pixhawk</a:t>
+            </a:r>
+            <a:r>
+              <a:rPr kumimoji="1" lang="ja-JP" altLang="en-US" b="1" dirty="0"/>
+              <a:t>のコンパイル</a:t>
+            </a:r>
+            <a:r>
+              <a:rPr lang="ja-JP" altLang="en-US" b="1" dirty="0"/>
+              <a:t>の処理の流れ</a:t>
+            </a:r>
+            <a:r>
+              <a:rPr kumimoji="1" lang="ja-JP" altLang="en-US" b="1" dirty="0"/>
+              <a:t>（</a:t>
+            </a:r>
+            <a:r>
+              <a:rPr kumimoji="1" lang="en-US" altLang="ja-JP" b="1" dirty="0"/>
+              <a:t>p57</a:t>
+            </a:r>
+            <a:r>
+              <a:rPr kumimoji="1" lang="ja-JP" altLang="en-US" b="1" dirty="0"/>
+              <a:t>）</a:t>
+            </a:r>
+          </a:p>
+        </p:txBody>
+      </p:sp>
+      <p:sp>
+        <p:nvSpPr>
+          <p:cNvPr id="3" name="コンテンツ プレースホルダー 2">
+            <a:extLst>
+              <a:ext uri="{FF2B5EF4-FFF2-40B4-BE49-F238E27FC236}">
+                <a16:creationId xmlns:a16="http://schemas.microsoft.com/office/drawing/2014/main" id="{8E9C562A-93C5-4670-886D-7E6DCB6A0E52}"/>
+              </a:ext>
+            </a:extLst>
+          </p:cNvPr>
+          <p:cNvSpPr>
+            <a:spLocks noGrp="1"/>
+          </p:cNvSpPr>
+          <p:nvPr>
+            <p:ph idx="1"/>
+          </p:nvPr>
+        </p:nvSpPr>
+        <p:spPr/>
+        <p:txBody>
+          <a:bodyPr/>
+          <a:lstStyle/>
+          <a:p>
+            <a:r>
+              <a:rPr kumimoji="1" lang="en-US" altLang="ja-JP" b="1" dirty="0"/>
+              <a:t>Simulink</a:t>
+            </a:r>
+            <a:r>
+              <a:rPr kumimoji="1" lang="ja-JP" altLang="en-US" b="1" dirty="0"/>
+              <a:t>で作られた</a:t>
+            </a:r>
+            <a:r>
+              <a:rPr kumimoji="1" lang="en-US" altLang="ja-JP" b="1" dirty="0"/>
+              <a:t>Pixhawk</a:t>
+            </a:r>
+            <a:r>
+              <a:rPr kumimoji="1" lang="ja-JP" altLang="en-US" b="1" dirty="0"/>
+              <a:t>のモデルを</a:t>
+            </a:r>
+            <a:r>
+              <a:rPr lang="en-US" altLang="ja-JP" b="1" dirty="0"/>
+              <a:t>PSP Toolbox</a:t>
+            </a:r>
+            <a:r>
+              <a:rPr lang="ja-JP" altLang="en-US" b="1" dirty="0"/>
+              <a:t>でそーしコード化（</a:t>
+            </a:r>
+            <a:r>
+              <a:rPr lang="en-US" altLang="ja-JP" b="1" dirty="0"/>
+              <a:t>C/C++</a:t>
+            </a:r>
+            <a:r>
+              <a:rPr lang="ja-JP" altLang="en-US" b="1" dirty="0"/>
+              <a:t>）する。</a:t>
+            </a:r>
+            <a:endParaRPr lang="en-US" altLang="ja-JP" b="1" dirty="0"/>
+          </a:p>
+          <a:p>
+            <a:r>
+              <a:rPr kumimoji="1" lang="ja-JP" altLang="en-US" b="1" dirty="0"/>
+              <a:t>出来たソースコードを</a:t>
+            </a:r>
+            <a:r>
+              <a:rPr kumimoji="1" lang="en-US" altLang="ja-JP" b="1" dirty="0"/>
+              <a:t>PX4 source code</a:t>
+            </a:r>
+            <a:r>
+              <a:rPr kumimoji="1" lang="ja-JP" altLang="en-US" b="1" dirty="0"/>
+              <a:t>にインポートする。</a:t>
+            </a:r>
+            <a:endParaRPr lang="en-US" altLang="ja-JP" b="1" dirty="0"/>
+          </a:p>
+          <a:p>
+            <a:pPr marL="0" indent="0">
+              <a:buNone/>
+            </a:pPr>
+            <a:r>
+              <a:rPr lang="ja-JP" altLang="en-US" b="1" dirty="0"/>
+              <a:t>　</a:t>
+            </a:r>
+            <a:r>
+              <a:rPr lang="en-US" altLang="ja-JP" b="1" dirty="0"/>
+              <a:t>p</a:t>
+            </a:r>
+            <a:r>
+              <a:rPr kumimoji="1" lang="en-US" altLang="ja-JP" b="1" dirty="0"/>
+              <a:t>x4_</a:t>
+            </a:r>
+            <a:r>
+              <a:rPr lang="en-US" altLang="ja-JP" b="1" dirty="0"/>
+              <a:t>Simulink_app module</a:t>
+            </a:r>
+            <a:r>
+              <a:rPr lang="ja-JP" altLang="en-US" b="1" dirty="0"/>
+              <a:t>を生み出すのに</a:t>
+            </a:r>
+            <a:endParaRPr lang="en-US" altLang="ja-JP" b="1" dirty="0"/>
+          </a:p>
+          <a:p>
+            <a:r>
+              <a:rPr kumimoji="1" lang="en-US" altLang="ja-JP" b="1" dirty="0"/>
+              <a:t>PSP Toolbox</a:t>
+            </a:r>
+            <a:r>
+              <a:rPr kumimoji="1" lang="ja-JP" altLang="en-US" b="1" dirty="0"/>
+              <a:t>が</a:t>
+            </a:r>
+            <a:r>
+              <a:rPr kumimoji="1" lang="en-US" altLang="ja-JP" b="1" dirty="0"/>
+              <a:t>Cygwin toolchain</a:t>
+            </a:r>
+            <a:r>
+              <a:rPr kumimoji="1" lang="ja-JP" altLang="en-US" b="1" dirty="0"/>
+              <a:t>を呼んでくれて、コンパイルしてくれる。（</a:t>
+            </a:r>
+            <a:r>
+              <a:rPr kumimoji="1" lang="en-US" altLang="ja-JP" b="1" dirty="0"/>
+              <a:t>.px4</a:t>
+            </a:r>
+            <a:r>
+              <a:rPr kumimoji="1" lang="ja-JP" altLang="en-US" b="1" dirty="0"/>
+              <a:t>に変換）</a:t>
+            </a:r>
+            <a:endParaRPr kumimoji="1" lang="en-US" altLang="ja-JP" b="1" dirty="0"/>
+          </a:p>
+          <a:p>
+            <a:r>
+              <a:rPr lang="ja-JP" altLang="en-US" b="1" dirty="0"/>
+              <a:t>自分で作った</a:t>
+            </a:r>
+            <a:r>
+              <a:rPr lang="en-US" altLang="ja-JP" b="1" dirty="0"/>
+              <a:t>Simulink model</a:t>
+            </a:r>
+            <a:r>
+              <a:rPr lang="ja-JP" altLang="en-US" b="1" dirty="0"/>
+              <a:t>を使用したい場合、</a:t>
+            </a:r>
+            <a:r>
+              <a:rPr lang="en-US" altLang="ja-JP" b="1" dirty="0"/>
+              <a:t>module</a:t>
+            </a:r>
+            <a:r>
+              <a:rPr lang="ja-JP" altLang="en-US" b="1" dirty="0"/>
+              <a:t>の取り換え作業を行う必要がある。</a:t>
+            </a:r>
+            <a:endParaRPr lang="en-US" altLang="ja-JP" b="1" dirty="0"/>
+          </a:p>
+          <a:p>
+            <a:r>
+              <a:rPr kumimoji="1" lang="ja-JP" altLang="en-US" b="1" dirty="0"/>
+              <a:t>最後</a:t>
+            </a:r>
+            <a:r>
+              <a:rPr lang="ja-JP" altLang="en-US" b="1" dirty="0"/>
+              <a:t>にデプロイをし、</a:t>
+            </a:r>
             <a:r>
               <a:rPr lang="en-US" altLang="ja-JP" b="1" dirty="0"/>
               <a:t>Pixhawk</a:t>
             </a:r>
             <a:r>
               <a:rPr lang="ja-JP" altLang="en-US" b="1" dirty="0"/>
-              <a:t>自動制御システムの構成</a:t>
-            </a:r>
-            <a:br>
+              <a:t>に</a:t>
+            </a:r>
+            <a:r>
               <a:rPr lang="en-US" altLang="ja-JP" b="1" dirty="0"/>
-            </a:br>
-            <a:r>
-              <a:rPr lang="ja-JP" altLang="en-US" sz="4000" b="1" dirty="0"/>
-              <a:t>（</a:t>
-            </a:r>
-            <a:r>
-              <a:rPr lang="en-US" altLang="ja-JP" sz="4000" b="1" dirty="0"/>
-              <a:t>UAV Toolbox</a:t>
-            </a:r>
-            <a:r>
-              <a:rPr lang="ja-JP" altLang="en-US" sz="4000" b="1" dirty="0"/>
-              <a:t>と</a:t>
-            </a:r>
-            <a:r>
-              <a:rPr lang="en-US" altLang="ja-JP" sz="4000" b="1" dirty="0"/>
-              <a:t>Pixhawk </a:t>
-            </a:r>
-            <a:r>
-              <a:rPr lang="ja-JP" altLang="en-US" sz="4000" b="1" dirty="0"/>
-              <a:t>システムの関係性）</a:t>
-            </a:r>
-            <a:endParaRPr kumimoji="1" lang="ja-JP" altLang="en-US" b="1" dirty="0"/>
-          </a:p>
-        </p:txBody>
-      </p:sp>
-      <p:sp>
-        <p:nvSpPr>
-          <p:cNvPr id="3" name="コンテンツ プレースホルダー 2">
-            <a:extLst>
-              <a:ext uri="{FF2B5EF4-FFF2-40B4-BE49-F238E27FC236}">
-                <a16:creationId xmlns:a16="http://schemas.microsoft.com/office/drawing/2014/main" id="{030D6EA2-8EFB-45CA-BC44-CE162649B803}"/>
-              </a:ext>
-            </a:extLst>
-          </p:cNvPr>
-          <p:cNvSpPr>
-            <a:spLocks noGrp="1"/>
-          </p:cNvSpPr>
-          <p:nvPr>
-            <p:ph idx="1"/>
-          </p:nvPr>
-        </p:nvSpPr>
-        <p:spPr/>
-        <p:txBody>
-          <a:bodyPr/>
-          <a:lstStyle/>
-          <a:p>
-            <a:r>
-              <a:rPr kumimoji="1" lang="en-US" altLang="ja-JP" b="1" dirty="0"/>
-              <a:t>Pixhawk</a:t>
-            </a:r>
-            <a:r>
-              <a:rPr kumimoji="1" lang="ja-JP" altLang="en-US" b="1" dirty="0"/>
-              <a:t>ハードウェアと</a:t>
-            </a:r>
-            <a:r>
-              <a:rPr kumimoji="1" lang="en-US" altLang="ja-JP" b="1" dirty="0"/>
-              <a:t>PX4</a:t>
-            </a:r>
-            <a:r>
-              <a:rPr kumimoji="1" lang="ja-JP" altLang="en-US" b="1" dirty="0"/>
-              <a:t>ソフトウエアの二つの部分がある。</a:t>
+              <a:t>model</a:t>
+            </a:r>
+            <a:r>
+              <a:rPr lang="ja-JP" altLang="en-US" b="1" dirty="0"/>
+              <a:t>を取り込む。</a:t>
             </a:r>
             <a:endParaRPr kumimoji="1" lang="en-US" altLang="ja-JP" b="1" dirty="0"/>
-          </a:p>
-          <a:p>
-            <a:r>
-              <a:rPr lang="en-US" altLang="ja-JP" b="1" dirty="0"/>
-              <a:t>Pixhawk</a:t>
-            </a:r>
-            <a:r>
-              <a:rPr lang="ja-JP" altLang="en-US" b="1" dirty="0"/>
-              <a:t>ソフトウェアに関して</a:t>
-            </a:r>
-            <a:endParaRPr lang="en-US" altLang="ja-JP" b="1" dirty="0"/>
-          </a:p>
-          <a:p>
-            <a:pPr marL="0" indent="0">
-              <a:buNone/>
-            </a:pPr>
-            <a:r>
-              <a:rPr kumimoji="1" lang="ja-JP" altLang="en-US" dirty="0"/>
-              <a:t>　いくつかの小さな</a:t>
-            </a:r>
-            <a:r>
-              <a:rPr kumimoji="1" lang="en-US" altLang="ja-JP" dirty="0"/>
-              <a:t>module</a:t>
-            </a:r>
-            <a:r>
-              <a:rPr kumimoji="1" lang="ja-JP" altLang="en-US" dirty="0"/>
-              <a:t>がある。</a:t>
-            </a:r>
-            <a:endParaRPr kumimoji="1" lang="en-US" altLang="ja-JP" dirty="0"/>
-          </a:p>
-          <a:p>
-            <a:pPr marL="0" indent="0">
-              <a:buNone/>
-            </a:pPr>
-            <a:r>
-              <a:rPr lang="ja-JP" altLang="en-US" dirty="0"/>
-              <a:t>　　</a:t>
-            </a:r>
-            <a:r>
-              <a:rPr kumimoji="1" lang="ja-JP" altLang="en-US" dirty="0"/>
-              <a:t>＝＞それぞれ独立、並列マルチスレッドで動作している。</a:t>
-            </a:r>
-            <a:endParaRPr kumimoji="1" lang="en-US" altLang="ja-JP" dirty="0"/>
-          </a:p>
-          <a:p>
-            <a:pPr marL="0" indent="0">
-              <a:buNone/>
-            </a:pPr>
-            <a:r>
-              <a:rPr lang="ja-JP" altLang="en-US" b="1" dirty="0"/>
-              <a:t>　</a:t>
-            </a:r>
-            <a:r>
-              <a:rPr lang="en-US" altLang="ja-JP" b="1" dirty="0"/>
-              <a:t>module</a:t>
-            </a:r>
-            <a:r>
-              <a:rPr lang="ja-JP" altLang="en-US" b="1" dirty="0"/>
-              <a:t>について</a:t>
-            </a:r>
-            <a:endParaRPr lang="en-US" altLang="ja-JP" b="1" dirty="0"/>
-          </a:p>
-          <a:p>
-            <a:pPr marL="0" indent="0">
-              <a:buNone/>
-            </a:pPr>
-            <a:r>
-              <a:rPr kumimoji="1" lang="ja-JP" altLang="en-US" dirty="0"/>
-              <a:t>　　</a:t>
-            </a:r>
-            <a:r>
-              <a:rPr kumimoji="1" lang="en-US" altLang="ja-JP" dirty="0" err="1"/>
-              <a:t>uORB</a:t>
-            </a:r>
-            <a:r>
-              <a:rPr lang="en-US" altLang="ja-JP" dirty="0"/>
-              <a:t> Message</a:t>
-            </a:r>
-            <a:r>
-              <a:rPr lang="ja-JP" altLang="en-US" dirty="0"/>
-              <a:t>を通して他の</a:t>
-            </a:r>
-            <a:r>
-              <a:rPr lang="en-US" altLang="ja-JP" dirty="0"/>
-              <a:t>module</a:t>
-            </a:r>
-            <a:r>
-              <a:rPr lang="ja-JP" altLang="en-US" dirty="0"/>
-              <a:t>とデータやり取りする。</a:t>
-            </a:r>
-            <a:endParaRPr lang="en-US" altLang="ja-JP" dirty="0"/>
-          </a:p>
-          <a:p>
-            <a:pPr marL="0" indent="0">
-              <a:buNone/>
-            </a:pPr>
-            <a:endParaRPr kumimoji="1" lang="ja-JP" altLang="en-US" dirty="0"/>
           </a:p>
         </p:txBody>
       </p:sp>
     </p:spTree>
     <p:extLst>
       <p:ext uri="{BB962C8B-B14F-4D97-AF65-F5344CB8AC3E}">
-        <p14:creationId xmlns:p14="http://schemas.microsoft.com/office/powerpoint/2010/main" val="4103799588"/>
+        <p14:creationId xmlns:p14="http://schemas.microsoft.com/office/powerpoint/2010/main" val="1241072019"/>
       </p:ext>
     </p:extLst>
   </p:cSld>
@@ -7241,7 +7720,7 @@
           <p:cNvPr id="2" name="タイトル 1">
             <a:extLst>
               <a:ext uri="{FF2B5EF4-FFF2-40B4-BE49-F238E27FC236}">
-                <a16:creationId xmlns:a16="http://schemas.microsoft.com/office/drawing/2014/main" id="{9570A541-7BC6-427F-8BFB-2A5929136355}"/>
+                <a16:creationId xmlns:a16="http://schemas.microsoft.com/office/drawing/2014/main" id="{10608475-E186-4BC7-98EC-8B76125230D8}"/>
               </a:ext>
             </a:extLst>
           </p:cNvPr>
@@ -7254,7 +7733,9 @@
         </p:nvSpPr>
         <p:spPr/>
         <p:txBody>
-          <a:bodyPr/>
+          <a:bodyPr>
+            <a:normAutofit/>
+          </a:bodyPr>
           <a:lstStyle/>
           <a:p>
             <a:r>
@@ -7265,6 +7746,29 @@
               <a:rPr lang="ja-JP" altLang="en-US" b="1" dirty="0"/>
               <a:t>自動制御システムの構成</a:t>
             </a:r>
+            <a:br>
+              <a:rPr lang="en-US" altLang="ja-JP" b="1" dirty="0"/>
+            </a:br>
+            <a:r>
+              <a:rPr lang="ja-JP" altLang="en-US" sz="4000" b="1" dirty="0"/>
+              <a:t>（</a:t>
+            </a:r>
+            <a:r>
+              <a:rPr lang="en-US" altLang="ja-JP" sz="4000" b="1" dirty="0"/>
+              <a:t>UAV Toolbox</a:t>
+            </a:r>
+            <a:r>
+              <a:rPr lang="ja-JP" altLang="en-US" sz="4000" b="1" dirty="0"/>
+              <a:t>と</a:t>
+            </a:r>
+            <a:r>
+              <a:rPr lang="en-US" altLang="ja-JP" sz="4000" b="1" dirty="0"/>
+              <a:t>Pixhawk </a:t>
+            </a:r>
+            <a:r>
+              <a:rPr lang="ja-JP" altLang="en-US" sz="4000" b="1" dirty="0"/>
+              <a:t>システムの関係性）</a:t>
+            </a:r>
             <a:endParaRPr kumimoji="1" lang="ja-JP" altLang="en-US" b="1" dirty="0"/>
           </a:p>
         </p:txBody>
@@ -7274,7 +7778,7 @@
           <p:cNvPr id="3" name="コンテンツ プレースホルダー 2">
             <a:extLst>
               <a:ext uri="{FF2B5EF4-FFF2-40B4-BE49-F238E27FC236}">
-                <a16:creationId xmlns:a16="http://schemas.microsoft.com/office/drawing/2014/main" id="{CA5B5C66-0A80-45CB-873C-4866D3A3DF60}"/>
+                <a16:creationId xmlns:a16="http://schemas.microsoft.com/office/drawing/2014/main" id="{030D6EA2-8EFB-45CA-BC44-CE162649B803}"/>
               </a:ext>
             </a:extLst>
           </p:cNvPr>
@@ -7287,125 +7791,45 @@
         </p:nvSpPr>
         <p:spPr/>
         <p:txBody>
-          <a:bodyPr>
-            <a:normAutofit fontScale="62500" lnSpcReduction="20000"/>
-          </a:bodyPr>
-          <a:lstStyle/>
-          <a:p>
-            <a:r>
-              <a:rPr kumimoji="1" lang="en-US" altLang="ja-JP" dirty="0"/>
-              <a:t>UAV Toolbox</a:t>
-            </a:r>
+          <a:bodyPr/>
+          <a:lstStyle/>
+          <a:p>
+            <a:r>
+              <a:rPr kumimoji="1" lang="en-US" altLang="ja-JP" b="1" dirty="0"/>
+              <a:t>Pixhawk</a:t>
+            </a:r>
+            <a:r>
+              <a:rPr kumimoji="1" lang="ja-JP" altLang="en-US" b="1" dirty="0"/>
+              <a:t>ハードウェアと</a:t>
+            </a:r>
+            <a:r>
+              <a:rPr kumimoji="1" lang="en-US" altLang="ja-JP" b="1" dirty="0"/>
+              <a:t>PX4</a:t>
+            </a:r>
+            <a:r>
+              <a:rPr kumimoji="1" lang="ja-JP" altLang="en-US" b="1" dirty="0"/>
+              <a:t>ソフトウエアの二つの部分がある。</a:t>
+            </a:r>
+            <a:endParaRPr kumimoji="1" lang="en-US" altLang="ja-JP" b="1" dirty="0"/>
+          </a:p>
+          <a:p>
+            <a:r>
+              <a:rPr lang="en-US" altLang="ja-JP" b="1" dirty="0"/>
+              <a:t>Pixhawk</a:t>
+            </a:r>
+            <a:r>
+              <a:rPr lang="ja-JP" altLang="en-US" b="1" dirty="0"/>
+              <a:t>ソフトウェアに関して</a:t>
+            </a:r>
+            <a:endParaRPr lang="en-US" altLang="ja-JP" b="1" dirty="0"/>
+          </a:p>
+          <a:p>
+            <a:pPr marL="0" indent="0">
+              <a:buNone/>
+            </a:pPr>
             <a:r>
               <a:rPr kumimoji="1" lang="ja-JP" altLang="en-US" dirty="0"/>
-              <a:t>でのモデル作成後について</a:t>
-            </a:r>
-            <a:endParaRPr kumimoji="1" lang="en-US" altLang="ja-JP" dirty="0"/>
-          </a:p>
-          <a:p>
-            <a:pPr marL="0" indent="0">
-              <a:buNone/>
-            </a:pPr>
-            <a:r>
-              <a:rPr lang="ja-JP" altLang="en-US" dirty="0"/>
-              <a:t>　</a:t>
-            </a:r>
-            <a:r>
-              <a:rPr lang="en-US" altLang="ja-JP" dirty="0"/>
-              <a:t>model</a:t>
-            </a:r>
-            <a:r>
-              <a:rPr lang="ja-JP" altLang="en-US" dirty="0"/>
-              <a:t>をソースコード化</a:t>
-            </a:r>
-            <a:endParaRPr lang="en-US" altLang="ja-JP" dirty="0"/>
-          </a:p>
-          <a:p>
-            <a:pPr marL="0" indent="0">
-              <a:buNone/>
-            </a:pPr>
-            <a:r>
-              <a:rPr kumimoji="1" lang="ja-JP" altLang="en-US" dirty="0"/>
-              <a:t>　</a:t>
-            </a:r>
-            <a:r>
-              <a:rPr kumimoji="1" lang="en-US" altLang="ja-JP" dirty="0"/>
-              <a:t>PX4</a:t>
-            </a:r>
-            <a:r>
-              <a:rPr kumimoji="1" lang="ja-JP" altLang="en-US" dirty="0"/>
-              <a:t>ソフトウェア・システムに取り込む必要あり。</a:t>
-            </a:r>
-            <a:endParaRPr lang="en-US" altLang="ja-JP" dirty="0"/>
-          </a:p>
-          <a:p>
-            <a:pPr marL="0" indent="0">
-              <a:buNone/>
-            </a:pPr>
-            <a:r>
-              <a:rPr kumimoji="1" lang="ja-JP" altLang="en-US" dirty="0"/>
-              <a:t>　</a:t>
-            </a:r>
-            <a:r>
-              <a:rPr lang="ja-JP" altLang="en-US" dirty="0"/>
-              <a:t>その際に、デファクト</a:t>
-            </a:r>
-            <a:r>
-              <a:rPr lang="en-US" altLang="ja-JP" dirty="0"/>
-              <a:t>PX4</a:t>
-            </a:r>
-            <a:r>
-              <a:rPr lang="ja-JP" altLang="en-US" dirty="0"/>
-              <a:t>システムに動作に一切影響しない</a:t>
-            </a:r>
-            <a:endParaRPr lang="en-US" altLang="ja-JP" dirty="0"/>
-          </a:p>
-          <a:p>
-            <a:r>
-              <a:rPr kumimoji="1" lang="en-US" altLang="ja-JP" dirty="0"/>
-              <a:t>S</a:t>
-            </a:r>
-            <a:r>
-              <a:rPr lang="en-US" altLang="ja-JP" dirty="0"/>
-              <a:t>imulink</a:t>
-            </a:r>
-            <a:r>
-              <a:rPr lang="ja-JP" altLang="en-US" dirty="0"/>
-              <a:t>で作成した</a:t>
-            </a:r>
-            <a:r>
-              <a:rPr lang="en-US" altLang="ja-JP" dirty="0"/>
-              <a:t>model</a:t>
-            </a:r>
-            <a:r>
-              <a:rPr lang="ja-JP" altLang="en-US" dirty="0"/>
-              <a:t>を</a:t>
-            </a:r>
-            <a:r>
-              <a:rPr lang="en-US" altLang="ja-JP" dirty="0"/>
-              <a:t>PX4</a:t>
-            </a:r>
-            <a:r>
-              <a:rPr lang="ja-JP" altLang="en-US" dirty="0"/>
-              <a:t>ハードウェアにとり組む</a:t>
-            </a:r>
-            <a:endParaRPr lang="en-US" altLang="ja-JP" dirty="0"/>
-          </a:p>
-          <a:p>
-            <a:pPr marL="0" indent="0">
-              <a:buNone/>
-            </a:pPr>
-            <a:r>
-              <a:rPr kumimoji="1" lang="ja-JP" altLang="en-US" dirty="0"/>
-              <a:t>　</a:t>
-            </a:r>
-            <a:r>
-              <a:rPr kumimoji="1" lang="en-US" altLang="ja-JP" dirty="0"/>
-              <a:t>px4_Simulink_app module</a:t>
-            </a:r>
-            <a:r>
-              <a:rPr kumimoji="1" lang="ja-JP" altLang="en-US" dirty="0"/>
-              <a:t>が作成され、他の</a:t>
+              <a:t>　いくつかの小さな</a:t>
             </a:r>
             <a:r>
               <a:rPr kumimoji="1" lang="en-US" altLang="ja-JP" dirty="0"/>
@@ -7413,7 +7837,7 @@
             </a:r>
             <a:r>
               <a:rPr kumimoji="1" lang="ja-JP" altLang="en-US" dirty="0"/>
-              <a:t>とやり取りする。</a:t>
+              <a:t>がある。</a:t>
             </a:r>
             <a:endParaRPr kumimoji="1" lang="en-US" altLang="ja-JP" dirty="0"/>
           </a:p>
@@ -7423,7 +7847,59 @@
             </a:pPr>
             <a:r>
               <a:rPr lang="ja-JP" altLang="en-US" dirty="0"/>
-              <a:t>注意：</a:t>
+              <a:t>　　</a:t>
+            </a:r>
+            <a:r>
+              <a:rPr kumimoji="1" lang="ja-JP" altLang="en-US" dirty="0"/>
+              <a:t>＝＞それぞれ独立、並列マルチスレッドで動作している。</a:t>
+            </a:r>
+            <a:endParaRPr kumimoji="1" lang="en-US" altLang="ja-JP" dirty="0"/>
+          </a:p>
+          <a:p>
+            <a:pPr marL="0" indent="0">
+              <a:buNone/>
+            </a:pPr>
+            <a:r>
+              <a:rPr lang="ja-JP" altLang="en-US" b="1" dirty="0"/>
+              <a:t>　</a:t>
+            </a:r>
+            <a:r>
+              <a:rPr lang="en-US" altLang="ja-JP" b="1" dirty="0"/>
+              <a:t>module</a:t>
+            </a:r>
+            <a:r>
+              <a:rPr lang="ja-JP" altLang="en-US" b="1" dirty="0"/>
+              <a:t>について</a:t>
+            </a:r>
+            <a:endParaRPr lang="en-US" altLang="ja-JP" b="1" dirty="0"/>
+          </a:p>
+          <a:p>
+            <a:pPr marL="0" indent="0">
+              <a:buNone/>
+            </a:pPr>
+            <a:r>
+              <a:rPr kumimoji="1" lang="ja-JP" altLang="en-US" dirty="0"/>
+              <a:t>　　</a:t>
+            </a:r>
+            <a:r>
+              <a:rPr kumimoji="1" lang="en-US" altLang="ja-JP" dirty="0" err="1"/>
+              <a:t>uORB</a:t>
+            </a:r>
+            <a:r>
+              <a:rPr lang="en-US" altLang="ja-JP" dirty="0"/>
+              <a:t> Message</a:t>
+            </a:r>
+            <a:r>
+              <a:rPr lang="ja-JP" altLang="en-US" dirty="0"/>
+              <a:t>を通して他の</a:t>
+            </a:r>
+            <a:r>
+              <a:rPr lang="en-US" altLang="ja-JP" dirty="0"/>
+              <a:t>module</a:t>
+            </a:r>
+            <a:r>
+              <a:rPr lang="ja-JP" altLang="en-US" dirty="0"/>
+              <a:t>とデータやり取りする。</a:t>
             </a:r>
             <a:endParaRPr lang="en-US" altLang="ja-JP" dirty="0"/>
           </a:p>
@@ -7431,88 +7907,14 @@
             <a:pPr marL="0" indent="0">
               <a:buNone/>
             </a:pPr>
-            <a:r>
-              <a:rPr kumimoji="1" lang="ja-JP" altLang="en-US" dirty="0"/>
-              <a:t>　</a:t>
-            </a:r>
-            <a:r>
-              <a:rPr kumimoji="1" lang="en-US" altLang="ja-JP" dirty="0"/>
-              <a:t>PX4 </a:t>
-            </a:r>
-            <a:r>
-              <a:rPr kumimoji="1" lang="ja-JP" altLang="en-US" dirty="0"/>
-              <a:t>ソフトウェアの初期設定</a:t>
-            </a:r>
-            <a:r>
-              <a:rPr kumimoji="1" lang="en-US" altLang="ja-JP" dirty="0"/>
-              <a:t>module</a:t>
-            </a:r>
-            <a:r>
-              <a:rPr kumimoji="1" lang="ja-JP" altLang="en-US" dirty="0"/>
-              <a:t>は、</a:t>
-            </a:r>
-            <a:r>
-              <a:rPr kumimoji="1" lang="en-US" altLang="ja-JP" dirty="0"/>
-              <a:t> px4_Simulink_app module</a:t>
-            </a:r>
-            <a:r>
-              <a:rPr kumimoji="1" lang="ja-JP" altLang="en-US" dirty="0"/>
-              <a:t>と同じハードウェア出力を評価する。</a:t>
-            </a:r>
-            <a:endParaRPr kumimoji="1" lang="en-US" altLang="ja-JP" dirty="0"/>
-          </a:p>
-          <a:p>
-            <a:pPr marL="0" indent="0">
-              <a:buNone/>
-            </a:pPr>
-            <a:r>
-              <a:rPr lang="ja-JP" altLang="en-US" dirty="0"/>
-              <a:t>　よって、読み書きのコンフリクトが発生する。</a:t>
-            </a:r>
-            <a:endParaRPr lang="en-US" altLang="ja-JP" dirty="0"/>
-          </a:p>
-          <a:p>
-            <a:pPr marL="0" indent="0">
-              <a:buNone/>
-            </a:pPr>
-            <a:r>
-              <a:rPr lang="ja-JP" altLang="en-US" dirty="0"/>
-              <a:t>そのため、ワンキーインストールスクリプトでは、</a:t>
-            </a:r>
-            <a:r>
-              <a:rPr lang="en-US" altLang="ja-JP" dirty="0"/>
-              <a:t>PX4</a:t>
-            </a:r>
-            <a:r>
-              <a:rPr lang="ja-JP" altLang="en-US" dirty="0"/>
-              <a:t>のネイティブモジュールのハードウェア出力アクセスコードをブロックする必要があります。</a:t>
-            </a:r>
-            <a:endParaRPr lang="en-US" altLang="ja-JP" dirty="0"/>
-          </a:p>
-          <a:p>
-            <a:pPr marL="0" indent="0">
-              <a:buNone/>
-            </a:pPr>
-            <a:r>
-              <a:rPr lang="ja-JP" altLang="en-US" dirty="0"/>
-              <a:t>これにより、</a:t>
-            </a:r>
-            <a:r>
-              <a:rPr lang="en-US" altLang="ja-JP" dirty="0"/>
-              <a:t>"px4_simulink_app "</a:t>
-            </a:r>
-            <a:r>
-              <a:rPr lang="ja-JP" altLang="en-US" dirty="0"/>
-              <a:t>モジュールのみがモーター制御信号を送信できるようになります。</a:t>
-            </a:r>
-            <a:endParaRPr lang="en-US" altLang="ja-JP" dirty="0"/>
+            <a:endParaRPr kumimoji="1" lang="ja-JP" altLang="en-US" dirty="0"/>
           </a:p>
         </p:txBody>
       </p:sp>
     </p:spTree>
     <p:extLst>
       <p:ext uri="{BB962C8B-B14F-4D97-AF65-F5344CB8AC3E}">
-        <p14:creationId xmlns:p14="http://schemas.microsoft.com/office/powerpoint/2010/main" val="2766710884"/>
+        <p14:creationId xmlns:p14="http://schemas.microsoft.com/office/powerpoint/2010/main" val="4103799588"/>
       </p:ext>
     </p:extLst>
   </p:cSld>
